--- a/lecture-notes/37-unsupervised-learning.pptx
+++ b/lecture-notes/37-unsupervised-learning.pptx
@@ -14650,33 +14650,86 @@
         </p:spPr>
         <p:txBody>
           <a:bodyPr>
-            <a:normAutofit fontScale="92500" lnSpcReduction="10000"/>
+            <a:normAutofit fontScale="77500" lnSpcReduction="20000"/>
           </a:bodyPr>
           <a:lstStyle/>
           <a:p>
+            <a:pPr marL="114300" indent="0">
+              <a:buNone/>
+            </a:pPr>
+            <a:r>
+              <a:rPr lang="en-US" b="1" dirty="0" smtClean="0"/>
+              <a:t>Algorithm</a:t>
+            </a:r>
             <a:r>
               <a:rPr lang="en-US" dirty="0" smtClean="0"/>
-              <a:t>Start with each point of the dataset as a cluster by itself.</a:t>
-            </a:r>
+              <a:t>:</a:t>
+            </a:r>
+            <a:endParaRPr lang="en-US" dirty="0" smtClean="0"/>
           </a:p>
           <a:p>
             <a:r>
               <a:rPr lang="en-US" dirty="0" smtClean="0"/>
-              <a:t>Merge two clusters with the smallest gap (distance between the closest points)</a:t>
-            </a:r>
-          </a:p>
-          <a:p>
+              <a:t>Start </a:t>
+            </a:r>
             <a:r>
               <a:rPr lang="en-US" dirty="0" smtClean="0"/>
-              <a:t>Keep merging until you’ve </a:t>
-            </a:r>
+              <a:t>with each point of the dataset as a cluster by itself.</a:t>
+            </a:r>
+          </a:p>
+          <a:p>
             <a:r>
               <a:rPr lang="en-US" dirty="0" smtClean="0"/>
-              <a:t>clustered all points or you’ve reached </a:t>
+              <a:t>Merge two clusters with the smallest </a:t>
             </a:r>
             <a:r>
               <a:rPr lang="en-US" dirty="0" smtClean="0"/>
-              <a:t>K clusters</a:t>
+              <a:t>gap</a:t>
+            </a:r>
+          </a:p>
+          <a:p>
+            <a:pPr lvl="1"/>
+            <a:r>
+              <a:rPr lang="en-US" dirty="0" smtClean="0"/>
+              <a:t>distance </a:t>
+            </a:r>
+            <a:r>
+              <a:rPr lang="en-US" dirty="0" smtClean="0"/>
+              <a:t>between the closest </a:t>
+            </a:r>
+            <a:r>
+              <a:rPr lang="en-US" dirty="0" smtClean="0"/>
+              <a:t>points</a:t>
+            </a:r>
+            <a:br>
+              <a:rPr lang="en-US" dirty="0" smtClean="0"/>
+            </a:br>
+            <a:endParaRPr lang="en-US" dirty="0" smtClean="0"/>
+          </a:p>
+          <a:p>
+            <a:r>
+              <a:rPr lang="en-US" dirty="0" smtClean="0"/>
+              <a:t>Keep merging </a:t>
+            </a:r>
+            <a:r>
+              <a:rPr lang="en-US" dirty="0" smtClean="0"/>
+              <a:t>until you’ve reached </a:t>
+            </a:r>
+            <a:r>
+              <a:rPr lang="en-US" dirty="0" smtClean="0"/>
+              <a:t>K </a:t>
+            </a:r>
+            <a:r>
+              <a:rPr lang="en-US" dirty="0" smtClean="0"/>
+              <a:t>clusters </a:t>
+            </a:r>
+            <a:endParaRPr lang="en-US" dirty="0"/>
+          </a:p>
+          <a:p>
+            <a:pPr lvl="1"/>
+            <a:r>
+              <a:rPr lang="en-US" dirty="0" smtClean="0"/>
+              <a:t>K is user defined just like in k-means</a:t>
             </a:r>
             <a:endParaRPr lang="en-US" dirty="0"/>
           </a:p>
@@ -15108,7 +15161,7 @@
         </p:blipFill>
         <p:spPr>
           <a:xfrm>
-            <a:off x="795130" y="2895600"/>
+            <a:off x="3022600" y="2895600"/>
             <a:ext cx="2540000" cy="2552700"/>
           </a:xfrm>
           <a:prstGeom prst="rect">
@@ -15132,7 +15185,7 @@
         </p:blipFill>
         <p:spPr>
           <a:xfrm>
-            <a:off x="4800600" y="2895600"/>
+            <a:off x="5994400" y="2895600"/>
             <a:ext cx="2540000" cy="2552700"/>
           </a:xfrm>
           <a:prstGeom prst="rect">
@@ -15148,7 +15201,7 @@
         </p:nvSpPr>
         <p:spPr>
           <a:xfrm>
-            <a:off x="1060174" y="6069496"/>
+            <a:off x="4045043" y="5935030"/>
             <a:ext cx="601447" cy="369332"/>
           </a:xfrm>
           <a:prstGeom prst="rect">
@@ -15178,7 +15231,7 @@
         </p:nvSpPr>
         <p:spPr>
           <a:xfrm>
-            <a:off x="5897217" y="6149009"/>
+            <a:off x="6963676" y="5935030"/>
             <a:ext cx="601447" cy="369332"/>
           </a:xfrm>
           <a:prstGeom prst="rect">
@@ -15195,6 +15248,60 @@
             <a:r>
               <a:rPr lang="en-US" dirty="0" smtClean="0"/>
               <a:t>K=3</a:t>
+            </a:r>
+            <a:endParaRPr lang="en-US" dirty="0"/>
+          </a:p>
+        </p:txBody>
+      </p:sp>
+      <p:pic>
+        <p:nvPicPr>
+          <p:cNvPr id="14" name="Picture 13"/>
+          <p:cNvPicPr>
+            <a:picLocks noChangeAspect="1"/>
+          </p:cNvPicPr>
+          <p:nvPr/>
+        </p:nvPicPr>
+        <p:blipFill>
+          <a:blip r:embed="rId4"/>
+          <a:stretch>
+            <a:fillRect/>
+          </a:stretch>
+        </p:blipFill>
+        <p:spPr>
+          <a:xfrm>
+            <a:off x="266700" y="2733893"/>
+            <a:ext cx="2540000" cy="2552700"/>
+          </a:xfrm>
+          <a:prstGeom prst="rect">
+            <a:avLst/>
+          </a:prstGeom>
+        </p:spPr>
+      </p:pic>
+      <p:sp>
+        <p:nvSpPr>
+          <p:cNvPr id="15" name="TextBox 14"/>
+          <p:cNvSpPr txBox="1"/>
+          <p:nvPr/>
+        </p:nvSpPr>
+        <p:spPr>
+          <a:xfrm>
+            <a:off x="1258957" y="5923722"/>
+            <a:ext cx="729687" cy="369332"/>
+          </a:xfrm>
+          <a:prstGeom prst="rect">
+            <a:avLst/>
+          </a:prstGeom>
+          <a:noFill/>
+        </p:spPr>
+        <p:txBody>
+          <a:bodyPr wrap="none" rtlCol="0">
+            <a:spAutoFit/>
+          </a:bodyPr>
+          <a:lstStyle/>
+          <a:p>
+            <a:r>
+              <a:rPr lang="en-US" dirty="0" smtClean="0"/>
+              <a:t>K = 1</a:t>
             </a:r>
             <a:endParaRPr lang="en-US" dirty="0"/>
           </a:p>

--- a/lecture-notes/37-unsupervised-learning.pptx
+++ b/lecture-notes/37-unsupervised-learning.pptx
@@ -5,10 +5,10 @@
     <p:sldMasterId id="2147483693" r:id="rId1"/>
   </p:sldMasterIdLst>
   <p:notesMasterIdLst>
-    <p:notesMasterId r:id="rId29"/>
+    <p:notesMasterId r:id="rId30"/>
   </p:notesMasterIdLst>
   <p:handoutMasterIdLst>
-    <p:handoutMasterId r:id="rId30"/>
+    <p:handoutMasterId r:id="rId31"/>
   </p:handoutMasterIdLst>
   <p:sldIdLst>
     <p:sldId id="256" r:id="rId2"/>
@@ -24,20 +24,21 @@
     <p:sldId id="272" r:id="rId12"/>
     <p:sldId id="270" r:id="rId13"/>
     <p:sldId id="271" r:id="rId14"/>
-    <p:sldId id="262" r:id="rId15"/>
-    <p:sldId id="276" r:id="rId16"/>
-    <p:sldId id="277" r:id="rId17"/>
-    <p:sldId id="278" r:id="rId18"/>
-    <p:sldId id="279" r:id="rId19"/>
-    <p:sldId id="280" r:id="rId20"/>
-    <p:sldId id="281" r:id="rId21"/>
-    <p:sldId id="275" r:id="rId22"/>
-    <p:sldId id="264" r:id="rId23"/>
-    <p:sldId id="273" r:id="rId24"/>
-    <p:sldId id="274" r:id="rId25"/>
-    <p:sldId id="282" r:id="rId26"/>
-    <p:sldId id="265" r:id="rId27"/>
-    <p:sldId id="266" r:id="rId28"/>
+    <p:sldId id="283" r:id="rId15"/>
+    <p:sldId id="262" r:id="rId16"/>
+    <p:sldId id="276" r:id="rId17"/>
+    <p:sldId id="277" r:id="rId18"/>
+    <p:sldId id="278" r:id="rId19"/>
+    <p:sldId id="279" r:id="rId20"/>
+    <p:sldId id="280" r:id="rId21"/>
+    <p:sldId id="281" r:id="rId22"/>
+    <p:sldId id="275" r:id="rId23"/>
+    <p:sldId id="264" r:id="rId24"/>
+    <p:sldId id="273" r:id="rId25"/>
+    <p:sldId id="274" r:id="rId26"/>
+    <p:sldId id="282" r:id="rId27"/>
+    <p:sldId id="265" r:id="rId28"/>
+    <p:sldId id="266" r:id="rId29"/>
   </p:sldIdLst>
   <p:sldSz cx="9144000" cy="6858000" type="screen4x3"/>
   <p:notesSz cx="6858000" cy="9144000"/>
@@ -1275,7 +1276,7 @@
   <p:cSld>
     <p:spTree>
       <p:nvGrpSpPr>
-        <p:cNvPr id="1" name="Shape 155"/>
+        <p:cNvPr id="1" name="Shape 114"/>
         <p:cNvGrpSpPr/>
         <p:nvPr/>
       </p:nvGrpSpPr>
@@ -1289,1377 +1290,7 @@
       </p:grpSpPr>
       <p:sp>
         <p:nvSpPr>
-          <p:cNvPr id="156" name="Shape 156"/>
-          <p:cNvSpPr>
-            <a:spLocks noGrp="1" noRot="1" noChangeAspect="1"/>
-          </p:cNvSpPr>
-          <p:nvPr>
-            <p:ph type="sldImg" idx="2"/>
-          </p:nvPr>
-        </p:nvSpPr>
-        <p:spPr>
-          <a:xfrm>
-            <a:off x="1143000" y="685800"/>
-            <a:ext cx="4572000" cy="3429000"/>
-          </a:xfrm>
-          <a:custGeom>
-            <a:avLst/>
-            <a:gdLst/>
-            <a:ahLst/>
-            <a:cxnLst/>
-            <a:rect l="0" t="0" r="0" b="0"/>
-            <a:pathLst>
-              <a:path w="120000" h="120000" extrusionOk="0">
-                <a:moveTo>
-                  <a:pt x="0" y="0"/>
-                </a:moveTo>
-                <a:lnTo>
-                  <a:pt x="120000" y="0"/>
-                </a:lnTo>
-                <a:lnTo>
-                  <a:pt x="120000" y="120000"/>
-                </a:lnTo>
-                <a:lnTo>
-                  <a:pt x="0" y="120000"/>
-                </a:lnTo>
-                <a:close/>
-              </a:path>
-            </a:pathLst>
-          </a:custGeom>
-        </p:spPr>
-      </p:sp>
-      <p:sp>
-        <p:nvSpPr>
-          <p:cNvPr id="157" name="Shape 157"/>
-          <p:cNvSpPr txBox="1">
-            <a:spLocks noGrp="1"/>
-          </p:cNvSpPr>
-          <p:nvPr>
-            <p:ph type="body" idx="1"/>
-          </p:nvPr>
-        </p:nvSpPr>
-        <p:spPr>
-          <a:xfrm>
-            <a:off x="914400" y="4343400"/>
-            <a:ext cx="5029200" cy="4114800"/>
-          </a:xfrm>
-          <a:prstGeom prst="rect">
-            <a:avLst/>
-          </a:prstGeom>
-        </p:spPr>
-        <p:txBody>
-          <a:bodyPr spcFirstLastPara="1" wrap="square" lIns="91425" tIns="91425" rIns="91425" bIns="91425" anchor="t" anchorCtr="0">
-            <a:noAutofit/>
-          </a:bodyPr>
-          <a:lstStyle/>
-          <a:p>
-            <a:pPr marL="0" lvl="0" indent="0">
-              <a:spcBef>
-                <a:spcPts val="0"/>
-              </a:spcBef>
-              <a:spcAft>
-                <a:spcPts val="0"/>
-              </a:spcAft>
-              <a:buNone/>
-            </a:pPr>
-            <a:endParaRPr/>
-          </a:p>
-        </p:txBody>
-      </p:sp>
-      <p:sp>
-        <p:nvSpPr>
-          <p:cNvPr id="158" name="Shape 158"/>
-          <p:cNvSpPr txBox="1">
-            <a:spLocks noGrp="1"/>
-          </p:cNvSpPr>
-          <p:nvPr>
-            <p:ph type="sldNum" idx="12"/>
-          </p:nvPr>
-        </p:nvSpPr>
-        <p:spPr>
-          <a:xfrm>
-            <a:off x="3886200" y="8686800"/>
-            <a:ext cx="2971800" cy="457200"/>
-          </a:xfrm>
-          <a:prstGeom prst="rect">
-            <a:avLst/>
-          </a:prstGeom>
-        </p:spPr>
-        <p:txBody>
-          <a:bodyPr spcFirstLastPara="1" wrap="square" lIns="91425" tIns="45700" rIns="91425" bIns="45700" anchor="b" anchorCtr="0">
-            <a:noAutofit/>
-          </a:bodyPr>
-          <a:lstStyle/>
-          <a:p>
-            <a:pPr marL="0" lvl="0" indent="0">
-              <a:spcBef>
-                <a:spcPts val="0"/>
-              </a:spcBef>
-              <a:spcAft>
-                <a:spcPts val="0"/>
-              </a:spcAft>
-              <a:buClr>
-                <a:srgbClr val="000000"/>
-              </a:buClr>
-              <a:buFont typeface="Arial"/>
-              <a:buNone/>
-            </a:pPr>
-            <a:fld id="{00000000-1234-1234-1234-123412341234}" type="slidenum">
-              <a:rPr lang="en-US"/>
-              <a:t>15</a:t>
-            </a:fld>
-            <a:endParaRPr sz="1400"/>
-          </a:p>
-        </p:txBody>
-      </p:sp>
-    </p:spTree>
-    <p:extLst>
-      <p:ext uri="{BB962C8B-B14F-4D97-AF65-F5344CB8AC3E}">
-        <p14:creationId xmlns:p14="http://schemas.microsoft.com/office/powerpoint/2010/main" val="887259376"/>
-      </p:ext>
-    </p:extLst>
-  </p:cSld>
-  <p:clrMapOvr>
-    <a:masterClrMapping/>
-  </p:clrMapOvr>
-</p:notes>
-</file>
-
-<file path=ppt/notesSlides/notesSlide11.xml><?xml version="1.0" encoding="utf-8"?>
-<p:notes xmlns:a="http://schemas.openxmlformats.org/drawingml/2006/main" xmlns:r="http://schemas.openxmlformats.org/officeDocument/2006/relationships" xmlns:p="http://schemas.openxmlformats.org/presentationml/2006/main" showMasterSp="0" showMasterPhAnim="0">
-  <p:cSld>
-    <p:spTree>
-      <p:nvGrpSpPr>
-        <p:cNvPr id="1" name="Shape 165"/>
-        <p:cNvGrpSpPr/>
-        <p:nvPr/>
-      </p:nvGrpSpPr>
-      <p:grpSpPr>
-        <a:xfrm>
-          <a:off x="0" y="0"/>
-          <a:ext cx="0" cy="0"/>
-          <a:chOff x="0" y="0"/>
-          <a:chExt cx="0" cy="0"/>
-        </a:xfrm>
-      </p:grpSpPr>
-      <p:sp>
-        <p:nvSpPr>
-          <p:cNvPr id="166" name="Shape 166"/>
-          <p:cNvSpPr>
-            <a:spLocks noGrp="1" noRot="1" noChangeAspect="1"/>
-          </p:cNvSpPr>
-          <p:nvPr>
-            <p:ph type="sldImg" idx="2"/>
-          </p:nvPr>
-        </p:nvSpPr>
-        <p:spPr>
-          <a:xfrm>
-            <a:off x="1143000" y="685800"/>
-            <a:ext cx="4572000" cy="3429000"/>
-          </a:xfrm>
-          <a:custGeom>
-            <a:avLst/>
-            <a:gdLst/>
-            <a:ahLst/>
-            <a:cxnLst/>
-            <a:rect l="0" t="0" r="0" b="0"/>
-            <a:pathLst>
-              <a:path w="120000" h="120000" extrusionOk="0">
-                <a:moveTo>
-                  <a:pt x="0" y="0"/>
-                </a:moveTo>
-                <a:lnTo>
-                  <a:pt x="120000" y="0"/>
-                </a:lnTo>
-                <a:lnTo>
-                  <a:pt x="120000" y="120000"/>
-                </a:lnTo>
-                <a:lnTo>
-                  <a:pt x="0" y="120000"/>
-                </a:lnTo>
-                <a:close/>
-              </a:path>
-            </a:pathLst>
-          </a:custGeom>
-        </p:spPr>
-      </p:sp>
-      <p:sp>
-        <p:nvSpPr>
-          <p:cNvPr id="167" name="Shape 167"/>
-          <p:cNvSpPr txBox="1">
-            <a:spLocks noGrp="1"/>
-          </p:cNvSpPr>
-          <p:nvPr>
-            <p:ph type="body" idx="1"/>
-          </p:nvPr>
-        </p:nvSpPr>
-        <p:spPr>
-          <a:xfrm>
-            <a:off x="914400" y="4343400"/>
-            <a:ext cx="5029200" cy="4114800"/>
-          </a:xfrm>
-          <a:prstGeom prst="rect">
-            <a:avLst/>
-          </a:prstGeom>
-        </p:spPr>
-        <p:txBody>
-          <a:bodyPr spcFirstLastPara="1" wrap="square" lIns="91425" tIns="91425" rIns="91425" bIns="91425" anchor="t" anchorCtr="0">
-            <a:noAutofit/>
-          </a:bodyPr>
-          <a:lstStyle/>
-          <a:p>
-            <a:pPr marL="0" lvl="0" indent="0" rtl="0">
-              <a:spcBef>
-                <a:spcPts val="0"/>
-              </a:spcBef>
-              <a:spcAft>
-                <a:spcPts val="0"/>
-              </a:spcAft>
-              <a:buNone/>
-            </a:pPr>
-            <a:endParaRPr/>
-          </a:p>
-        </p:txBody>
-      </p:sp>
-      <p:sp>
-        <p:nvSpPr>
-          <p:cNvPr id="168" name="Shape 168"/>
-          <p:cNvSpPr txBox="1">
-            <a:spLocks noGrp="1"/>
-          </p:cNvSpPr>
-          <p:nvPr>
-            <p:ph type="sldNum" idx="12"/>
-          </p:nvPr>
-        </p:nvSpPr>
-        <p:spPr>
-          <a:xfrm>
-            <a:off x="3886200" y="8686800"/>
-            <a:ext cx="2971800" cy="457200"/>
-          </a:xfrm>
-          <a:prstGeom prst="rect">
-            <a:avLst/>
-          </a:prstGeom>
-        </p:spPr>
-        <p:txBody>
-          <a:bodyPr spcFirstLastPara="1" wrap="square" lIns="91425" tIns="45700" rIns="91425" bIns="45700" anchor="b" anchorCtr="0">
-            <a:noAutofit/>
-          </a:bodyPr>
-          <a:lstStyle/>
-          <a:p>
-            <a:pPr marL="0" lvl="0" indent="0" rtl="0">
-              <a:spcBef>
-                <a:spcPts val="0"/>
-              </a:spcBef>
-              <a:spcAft>
-                <a:spcPts val="0"/>
-              </a:spcAft>
-              <a:buNone/>
-            </a:pPr>
-            <a:fld id="{00000000-1234-1234-1234-123412341234}" type="slidenum">
-              <a:rPr lang="en-US"/>
-              <a:t>16</a:t>
-            </a:fld>
-            <a:endParaRPr sz="1400"/>
-          </a:p>
-        </p:txBody>
-      </p:sp>
-    </p:spTree>
-    <p:extLst>
-      <p:ext uri="{BB962C8B-B14F-4D97-AF65-F5344CB8AC3E}">
-        <p14:creationId xmlns:p14="http://schemas.microsoft.com/office/powerpoint/2010/main" val="1778816279"/>
-      </p:ext>
-    </p:extLst>
-  </p:cSld>
-  <p:clrMapOvr>
-    <a:masterClrMapping/>
-  </p:clrMapOvr>
-</p:notes>
-</file>
-
-<file path=ppt/notesSlides/notesSlide12.xml><?xml version="1.0" encoding="utf-8"?>
-<p:notes xmlns:a="http://schemas.openxmlformats.org/drawingml/2006/main" xmlns:r="http://schemas.openxmlformats.org/officeDocument/2006/relationships" xmlns:p="http://schemas.openxmlformats.org/presentationml/2006/main" showMasterSp="0" showMasterPhAnim="0">
-  <p:cSld>
-    <p:spTree>
-      <p:nvGrpSpPr>
-        <p:cNvPr id="1" name="Shape 175"/>
-        <p:cNvGrpSpPr/>
-        <p:nvPr/>
-      </p:nvGrpSpPr>
-      <p:grpSpPr>
-        <a:xfrm>
-          <a:off x="0" y="0"/>
-          <a:ext cx="0" cy="0"/>
-          <a:chOff x="0" y="0"/>
-          <a:chExt cx="0" cy="0"/>
-        </a:xfrm>
-      </p:grpSpPr>
-      <p:sp>
-        <p:nvSpPr>
-          <p:cNvPr id="176" name="Shape 176"/>
-          <p:cNvSpPr>
-            <a:spLocks noGrp="1" noRot="1" noChangeAspect="1"/>
-          </p:cNvSpPr>
-          <p:nvPr>
-            <p:ph type="sldImg" idx="2"/>
-          </p:nvPr>
-        </p:nvSpPr>
-        <p:spPr>
-          <a:xfrm>
-            <a:off x="1143000" y="685800"/>
-            <a:ext cx="4572000" cy="3429000"/>
-          </a:xfrm>
-          <a:custGeom>
-            <a:avLst/>
-            <a:gdLst/>
-            <a:ahLst/>
-            <a:cxnLst/>
-            <a:rect l="0" t="0" r="0" b="0"/>
-            <a:pathLst>
-              <a:path w="120000" h="120000" extrusionOk="0">
-                <a:moveTo>
-                  <a:pt x="0" y="0"/>
-                </a:moveTo>
-                <a:lnTo>
-                  <a:pt x="120000" y="0"/>
-                </a:lnTo>
-                <a:lnTo>
-                  <a:pt x="120000" y="120000"/>
-                </a:lnTo>
-                <a:lnTo>
-                  <a:pt x="0" y="120000"/>
-                </a:lnTo>
-                <a:close/>
-              </a:path>
-            </a:pathLst>
-          </a:custGeom>
-        </p:spPr>
-      </p:sp>
-      <p:sp>
-        <p:nvSpPr>
-          <p:cNvPr id="177" name="Shape 177"/>
-          <p:cNvSpPr txBox="1">
-            <a:spLocks noGrp="1"/>
-          </p:cNvSpPr>
-          <p:nvPr>
-            <p:ph type="body" idx="1"/>
-          </p:nvPr>
-        </p:nvSpPr>
-        <p:spPr>
-          <a:xfrm>
-            <a:off x="914400" y="4343400"/>
-            <a:ext cx="5029200" cy="4114800"/>
-          </a:xfrm>
-          <a:prstGeom prst="rect">
-            <a:avLst/>
-          </a:prstGeom>
-        </p:spPr>
-        <p:txBody>
-          <a:bodyPr spcFirstLastPara="1" wrap="square" lIns="91425" tIns="91425" rIns="91425" bIns="91425" anchor="t" anchorCtr="0">
-            <a:noAutofit/>
-          </a:bodyPr>
-          <a:lstStyle/>
-          <a:p>
-            <a:pPr marL="0" lvl="0" indent="0">
-              <a:spcBef>
-                <a:spcPts val="0"/>
-              </a:spcBef>
-              <a:spcAft>
-                <a:spcPts val="0"/>
-              </a:spcAft>
-              <a:buNone/>
-            </a:pPr>
-            <a:endParaRPr/>
-          </a:p>
-        </p:txBody>
-      </p:sp>
-      <p:sp>
-        <p:nvSpPr>
-          <p:cNvPr id="178" name="Shape 178"/>
-          <p:cNvSpPr txBox="1">
-            <a:spLocks noGrp="1"/>
-          </p:cNvSpPr>
-          <p:nvPr>
-            <p:ph type="sldNum" idx="12"/>
-          </p:nvPr>
-        </p:nvSpPr>
-        <p:spPr>
-          <a:xfrm>
-            <a:off x="3886200" y="8686800"/>
-            <a:ext cx="2971800" cy="457200"/>
-          </a:xfrm>
-          <a:prstGeom prst="rect">
-            <a:avLst/>
-          </a:prstGeom>
-        </p:spPr>
-        <p:txBody>
-          <a:bodyPr spcFirstLastPara="1" wrap="square" lIns="91425" tIns="45700" rIns="91425" bIns="45700" anchor="b" anchorCtr="0">
-            <a:noAutofit/>
-          </a:bodyPr>
-          <a:lstStyle/>
-          <a:p>
-            <a:pPr marL="0" lvl="0" indent="0">
-              <a:spcBef>
-                <a:spcPts val="0"/>
-              </a:spcBef>
-              <a:spcAft>
-                <a:spcPts val="0"/>
-              </a:spcAft>
-              <a:buClr>
-                <a:srgbClr val="000000"/>
-              </a:buClr>
-              <a:buFont typeface="Arial"/>
-              <a:buNone/>
-            </a:pPr>
-            <a:fld id="{00000000-1234-1234-1234-123412341234}" type="slidenum">
-              <a:rPr lang="en-US"/>
-              <a:t>17</a:t>
-            </a:fld>
-            <a:endParaRPr sz="1400"/>
-          </a:p>
-        </p:txBody>
-      </p:sp>
-    </p:spTree>
-    <p:extLst>
-      <p:ext uri="{BB962C8B-B14F-4D97-AF65-F5344CB8AC3E}">
-        <p14:creationId xmlns:p14="http://schemas.microsoft.com/office/powerpoint/2010/main" val="1831196445"/>
-      </p:ext>
-    </p:extLst>
-  </p:cSld>
-  <p:clrMapOvr>
-    <a:masterClrMapping/>
-  </p:clrMapOvr>
-</p:notes>
-</file>
-
-<file path=ppt/notesSlides/notesSlide13.xml><?xml version="1.0" encoding="utf-8"?>
-<p:notes xmlns:a="http://schemas.openxmlformats.org/drawingml/2006/main" xmlns:r="http://schemas.openxmlformats.org/officeDocument/2006/relationships" xmlns:p="http://schemas.openxmlformats.org/presentationml/2006/main" showMasterSp="0" showMasterPhAnim="0">
-  <p:cSld>
-    <p:spTree>
-      <p:nvGrpSpPr>
-        <p:cNvPr id="1" name="Shape 187"/>
-        <p:cNvGrpSpPr/>
-        <p:nvPr/>
-      </p:nvGrpSpPr>
-      <p:grpSpPr>
-        <a:xfrm>
-          <a:off x="0" y="0"/>
-          <a:ext cx="0" cy="0"/>
-          <a:chOff x="0" y="0"/>
-          <a:chExt cx="0" cy="0"/>
-        </a:xfrm>
-      </p:grpSpPr>
-      <p:sp>
-        <p:nvSpPr>
-          <p:cNvPr id="188" name="Shape 188"/>
-          <p:cNvSpPr>
-            <a:spLocks noGrp="1" noRot="1" noChangeAspect="1"/>
-          </p:cNvSpPr>
-          <p:nvPr>
-            <p:ph type="sldImg" idx="2"/>
-          </p:nvPr>
-        </p:nvSpPr>
-        <p:spPr>
-          <a:xfrm>
-            <a:off x="1143000" y="685800"/>
-            <a:ext cx="4572000" cy="3429000"/>
-          </a:xfrm>
-          <a:custGeom>
-            <a:avLst/>
-            <a:gdLst/>
-            <a:ahLst/>
-            <a:cxnLst/>
-            <a:rect l="0" t="0" r="0" b="0"/>
-            <a:pathLst>
-              <a:path w="120000" h="120000" extrusionOk="0">
-                <a:moveTo>
-                  <a:pt x="0" y="0"/>
-                </a:moveTo>
-                <a:lnTo>
-                  <a:pt x="120000" y="0"/>
-                </a:lnTo>
-                <a:lnTo>
-                  <a:pt x="120000" y="120000"/>
-                </a:lnTo>
-                <a:lnTo>
-                  <a:pt x="0" y="120000"/>
-                </a:lnTo>
-                <a:close/>
-              </a:path>
-            </a:pathLst>
-          </a:custGeom>
-        </p:spPr>
-      </p:sp>
-      <p:sp>
-        <p:nvSpPr>
-          <p:cNvPr id="189" name="Shape 189"/>
-          <p:cNvSpPr txBox="1">
-            <a:spLocks noGrp="1"/>
-          </p:cNvSpPr>
-          <p:nvPr>
-            <p:ph type="body" idx="1"/>
-          </p:nvPr>
-        </p:nvSpPr>
-        <p:spPr>
-          <a:xfrm>
-            <a:off x="914400" y="4343400"/>
-            <a:ext cx="5029200" cy="4114800"/>
-          </a:xfrm>
-          <a:prstGeom prst="rect">
-            <a:avLst/>
-          </a:prstGeom>
-        </p:spPr>
-        <p:txBody>
-          <a:bodyPr spcFirstLastPara="1" wrap="square" lIns="91425" tIns="91425" rIns="91425" bIns="91425" anchor="t" anchorCtr="0">
-            <a:noAutofit/>
-          </a:bodyPr>
-          <a:lstStyle/>
-          <a:p>
-            <a:pPr marL="0" lvl="0" indent="0" rtl="0">
-              <a:spcBef>
-                <a:spcPts val="0"/>
-              </a:spcBef>
-              <a:spcAft>
-                <a:spcPts val="0"/>
-              </a:spcAft>
-              <a:buNone/>
-            </a:pPr>
-            <a:endParaRPr/>
-          </a:p>
-        </p:txBody>
-      </p:sp>
-      <p:sp>
-        <p:nvSpPr>
-          <p:cNvPr id="190" name="Shape 190"/>
-          <p:cNvSpPr txBox="1">
-            <a:spLocks noGrp="1"/>
-          </p:cNvSpPr>
-          <p:nvPr>
-            <p:ph type="sldNum" idx="12"/>
-          </p:nvPr>
-        </p:nvSpPr>
-        <p:spPr>
-          <a:xfrm>
-            <a:off x="3886200" y="8686800"/>
-            <a:ext cx="2971800" cy="457200"/>
-          </a:xfrm>
-          <a:prstGeom prst="rect">
-            <a:avLst/>
-          </a:prstGeom>
-        </p:spPr>
-        <p:txBody>
-          <a:bodyPr spcFirstLastPara="1" wrap="square" lIns="91425" tIns="45700" rIns="91425" bIns="45700" anchor="b" anchorCtr="0">
-            <a:noAutofit/>
-          </a:bodyPr>
-          <a:lstStyle/>
-          <a:p>
-            <a:pPr marL="0" lvl="0" indent="0" rtl="0">
-              <a:spcBef>
-                <a:spcPts val="0"/>
-              </a:spcBef>
-              <a:spcAft>
-                <a:spcPts val="0"/>
-              </a:spcAft>
-              <a:buNone/>
-            </a:pPr>
-            <a:fld id="{00000000-1234-1234-1234-123412341234}" type="slidenum">
-              <a:rPr lang="en-US"/>
-              <a:t>18</a:t>
-            </a:fld>
-            <a:endParaRPr sz="1400"/>
-          </a:p>
-        </p:txBody>
-      </p:sp>
-    </p:spTree>
-    <p:extLst>
-      <p:ext uri="{BB962C8B-B14F-4D97-AF65-F5344CB8AC3E}">
-        <p14:creationId xmlns:p14="http://schemas.microsoft.com/office/powerpoint/2010/main" val="66419895"/>
-      </p:ext>
-    </p:extLst>
-  </p:cSld>
-  <p:clrMapOvr>
-    <a:masterClrMapping/>
-  </p:clrMapOvr>
-</p:notes>
-</file>
-
-<file path=ppt/notesSlides/notesSlide14.xml><?xml version="1.0" encoding="utf-8"?>
-<p:notes xmlns:a="http://schemas.openxmlformats.org/drawingml/2006/main" xmlns:r="http://schemas.openxmlformats.org/officeDocument/2006/relationships" xmlns:p="http://schemas.openxmlformats.org/presentationml/2006/main" showMasterSp="0" showMasterPhAnim="0">
-  <p:cSld>
-    <p:spTree>
-      <p:nvGrpSpPr>
-        <p:cNvPr id="1" name="Shape 194"/>
-        <p:cNvGrpSpPr/>
-        <p:nvPr/>
-      </p:nvGrpSpPr>
-      <p:grpSpPr>
-        <a:xfrm>
-          <a:off x="0" y="0"/>
-          <a:ext cx="0" cy="0"/>
-          <a:chOff x="0" y="0"/>
-          <a:chExt cx="0" cy="0"/>
-        </a:xfrm>
-      </p:grpSpPr>
-      <p:sp>
-        <p:nvSpPr>
-          <p:cNvPr id="195" name="Shape 195"/>
-          <p:cNvSpPr>
-            <a:spLocks noGrp="1" noRot="1" noChangeAspect="1"/>
-          </p:cNvSpPr>
-          <p:nvPr>
-            <p:ph type="sldImg" idx="2"/>
-          </p:nvPr>
-        </p:nvSpPr>
-        <p:spPr>
-          <a:xfrm>
-            <a:off x="1143000" y="685800"/>
-            <a:ext cx="4572000" cy="3429000"/>
-          </a:xfrm>
-          <a:custGeom>
-            <a:avLst/>
-            <a:gdLst/>
-            <a:ahLst/>
-            <a:cxnLst/>
-            <a:rect l="0" t="0" r="0" b="0"/>
-            <a:pathLst>
-              <a:path w="120000" h="120000" extrusionOk="0">
-                <a:moveTo>
-                  <a:pt x="0" y="0"/>
-                </a:moveTo>
-                <a:lnTo>
-                  <a:pt x="120000" y="0"/>
-                </a:lnTo>
-                <a:lnTo>
-                  <a:pt x="120000" y="120000"/>
-                </a:lnTo>
-                <a:lnTo>
-                  <a:pt x="0" y="120000"/>
-                </a:lnTo>
-                <a:close/>
-              </a:path>
-            </a:pathLst>
-          </a:custGeom>
-        </p:spPr>
-      </p:sp>
-      <p:sp>
-        <p:nvSpPr>
-          <p:cNvPr id="196" name="Shape 196"/>
-          <p:cNvSpPr txBox="1">
-            <a:spLocks noGrp="1"/>
-          </p:cNvSpPr>
-          <p:nvPr>
-            <p:ph type="body" idx="1"/>
-          </p:nvPr>
-        </p:nvSpPr>
-        <p:spPr>
-          <a:xfrm>
-            <a:off x="914400" y="4343400"/>
-            <a:ext cx="5029200" cy="4114800"/>
-          </a:xfrm>
-          <a:prstGeom prst="rect">
-            <a:avLst/>
-          </a:prstGeom>
-        </p:spPr>
-        <p:txBody>
-          <a:bodyPr spcFirstLastPara="1" wrap="square" lIns="91425" tIns="91425" rIns="91425" bIns="91425" anchor="t" anchorCtr="0">
-            <a:noAutofit/>
-          </a:bodyPr>
-          <a:lstStyle/>
-          <a:p>
-            <a:pPr marL="0" lvl="0" indent="0" rtl="0">
-              <a:spcBef>
-                <a:spcPts val="0"/>
-              </a:spcBef>
-              <a:spcAft>
-                <a:spcPts val="0"/>
-              </a:spcAft>
-              <a:buNone/>
-            </a:pPr>
-            <a:endParaRPr/>
-          </a:p>
-        </p:txBody>
-      </p:sp>
-      <p:sp>
-        <p:nvSpPr>
-          <p:cNvPr id="197" name="Shape 197"/>
-          <p:cNvSpPr txBox="1">
-            <a:spLocks noGrp="1"/>
-          </p:cNvSpPr>
-          <p:nvPr>
-            <p:ph type="sldNum" idx="12"/>
-          </p:nvPr>
-        </p:nvSpPr>
-        <p:spPr>
-          <a:xfrm>
-            <a:off x="3886200" y="8686800"/>
-            <a:ext cx="2971800" cy="457200"/>
-          </a:xfrm>
-          <a:prstGeom prst="rect">
-            <a:avLst/>
-          </a:prstGeom>
-        </p:spPr>
-        <p:txBody>
-          <a:bodyPr spcFirstLastPara="1" wrap="square" lIns="91425" tIns="45700" rIns="91425" bIns="45700" anchor="b" anchorCtr="0">
-            <a:noAutofit/>
-          </a:bodyPr>
-          <a:lstStyle/>
-          <a:p>
-            <a:pPr marL="0" lvl="0" indent="0" rtl="0">
-              <a:spcBef>
-                <a:spcPts val="0"/>
-              </a:spcBef>
-              <a:spcAft>
-                <a:spcPts val="0"/>
-              </a:spcAft>
-              <a:buNone/>
-            </a:pPr>
-            <a:fld id="{00000000-1234-1234-1234-123412341234}" type="slidenum">
-              <a:rPr lang="en-US"/>
-              <a:t>19</a:t>
-            </a:fld>
-            <a:endParaRPr sz="1400"/>
-          </a:p>
-        </p:txBody>
-      </p:sp>
-    </p:spTree>
-    <p:extLst>
-      <p:ext uri="{BB962C8B-B14F-4D97-AF65-F5344CB8AC3E}">
-        <p14:creationId xmlns:p14="http://schemas.microsoft.com/office/powerpoint/2010/main" val="165359133"/>
-      </p:ext>
-    </p:extLst>
-  </p:cSld>
-  <p:clrMapOvr>
-    <a:masterClrMapping/>
-  </p:clrMapOvr>
-</p:notes>
-</file>
-
-<file path=ppt/notesSlides/notesSlide15.xml><?xml version="1.0" encoding="utf-8"?>
-<p:notes xmlns:a="http://schemas.openxmlformats.org/drawingml/2006/main" xmlns:r="http://schemas.openxmlformats.org/officeDocument/2006/relationships" xmlns:p="http://schemas.openxmlformats.org/presentationml/2006/main" showMasterSp="0" showMasterPhAnim="0">
-  <p:cSld>
-    <p:spTree>
-      <p:nvGrpSpPr>
-        <p:cNvPr id="1" name="Shape 206"/>
-        <p:cNvGrpSpPr/>
-        <p:nvPr/>
-      </p:nvGrpSpPr>
-      <p:grpSpPr>
-        <a:xfrm>
-          <a:off x="0" y="0"/>
-          <a:ext cx="0" cy="0"/>
-          <a:chOff x="0" y="0"/>
-          <a:chExt cx="0" cy="0"/>
-        </a:xfrm>
-      </p:grpSpPr>
-      <p:sp>
-        <p:nvSpPr>
-          <p:cNvPr id="207" name="Shape 207"/>
-          <p:cNvSpPr>
-            <a:spLocks noGrp="1" noRot="1" noChangeAspect="1"/>
-          </p:cNvSpPr>
-          <p:nvPr>
-            <p:ph type="sldImg" idx="2"/>
-          </p:nvPr>
-        </p:nvSpPr>
-        <p:spPr>
-          <a:xfrm>
-            <a:off x="1143000" y="685800"/>
-            <a:ext cx="4572000" cy="3429000"/>
-          </a:xfrm>
-          <a:custGeom>
-            <a:avLst/>
-            <a:gdLst/>
-            <a:ahLst/>
-            <a:cxnLst/>
-            <a:rect l="0" t="0" r="0" b="0"/>
-            <a:pathLst>
-              <a:path w="120000" h="120000" extrusionOk="0">
-                <a:moveTo>
-                  <a:pt x="0" y="0"/>
-                </a:moveTo>
-                <a:lnTo>
-                  <a:pt x="120000" y="0"/>
-                </a:lnTo>
-                <a:lnTo>
-                  <a:pt x="120000" y="120000"/>
-                </a:lnTo>
-                <a:lnTo>
-                  <a:pt x="0" y="120000"/>
-                </a:lnTo>
-                <a:close/>
-              </a:path>
-            </a:pathLst>
-          </a:custGeom>
-        </p:spPr>
-      </p:sp>
-      <p:sp>
-        <p:nvSpPr>
-          <p:cNvPr id="208" name="Shape 208"/>
-          <p:cNvSpPr txBox="1">
-            <a:spLocks noGrp="1"/>
-          </p:cNvSpPr>
-          <p:nvPr>
-            <p:ph type="body" idx="1"/>
-          </p:nvPr>
-        </p:nvSpPr>
-        <p:spPr>
-          <a:xfrm>
-            <a:off x="914400" y="4343400"/>
-            <a:ext cx="5029200" cy="4114800"/>
-          </a:xfrm>
-          <a:prstGeom prst="rect">
-            <a:avLst/>
-          </a:prstGeom>
-        </p:spPr>
-        <p:txBody>
-          <a:bodyPr spcFirstLastPara="1" wrap="square" lIns="91425" tIns="91425" rIns="91425" bIns="91425" anchor="t" anchorCtr="0">
-            <a:noAutofit/>
-          </a:bodyPr>
-          <a:lstStyle/>
-          <a:p>
-            <a:pPr marL="0" lvl="0" indent="0">
-              <a:spcBef>
-                <a:spcPts val="0"/>
-              </a:spcBef>
-              <a:spcAft>
-                <a:spcPts val="0"/>
-              </a:spcAft>
-              <a:buNone/>
-            </a:pPr>
-            <a:endParaRPr/>
-          </a:p>
-        </p:txBody>
-      </p:sp>
-      <p:sp>
-        <p:nvSpPr>
-          <p:cNvPr id="209" name="Shape 209"/>
-          <p:cNvSpPr txBox="1">
-            <a:spLocks noGrp="1"/>
-          </p:cNvSpPr>
-          <p:nvPr>
-            <p:ph type="sldNum" idx="12"/>
-          </p:nvPr>
-        </p:nvSpPr>
-        <p:spPr>
-          <a:xfrm>
-            <a:off x="3886200" y="8686800"/>
-            <a:ext cx="2971800" cy="457200"/>
-          </a:xfrm>
-          <a:prstGeom prst="rect">
-            <a:avLst/>
-          </a:prstGeom>
-        </p:spPr>
-        <p:txBody>
-          <a:bodyPr spcFirstLastPara="1" wrap="square" lIns="91425" tIns="45700" rIns="91425" bIns="45700" anchor="b" anchorCtr="0">
-            <a:noAutofit/>
-          </a:bodyPr>
-          <a:lstStyle/>
-          <a:p>
-            <a:pPr marL="0" lvl="0" indent="0">
-              <a:spcBef>
-                <a:spcPts val="0"/>
-              </a:spcBef>
-              <a:spcAft>
-                <a:spcPts val="0"/>
-              </a:spcAft>
-              <a:buClr>
-                <a:srgbClr val="000000"/>
-              </a:buClr>
-              <a:buFont typeface="Arial"/>
-              <a:buNone/>
-            </a:pPr>
-            <a:fld id="{00000000-1234-1234-1234-123412341234}" type="slidenum">
-              <a:rPr lang="en-US"/>
-              <a:t>20</a:t>
-            </a:fld>
-            <a:endParaRPr sz="1400"/>
-          </a:p>
-        </p:txBody>
-      </p:sp>
-    </p:spTree>
-    <p:extLst>
-      <p:ext uri="{BB962C8B-B14F-4D97-AF65-F5344CB8AC3E}">
-        <p14:creationId xmlns:p14="http://schemas.microsoft.com/office/powerpoint/2010/main" val="1297276939"/>
-      </p:ext>
-    </p:extLst>
-  </p:cSld>
-  <p:clrMapOvr>
-    <a:masterClrMapping/>
-  </p:clrMapOvr>
-</p:notes>
-</file>
-
-<file path=ppt/notesSlides/notesSlide2.xml><?xml version="1.0" encoding="utf-8"?>
-<p:notes xmlns:a="http://schemas.openxmlformats.org/drawingml/2006/main" xmlns:r="http://schemas.openxmlformats.org/officeDocument/2006/relationships" xmlns:p="http://schemas.openxmlformats.org/presentationml/2006/main" showMasterSp="0" showMasterPhAnim="0">
-  <p:cSld>
-    <p:spTree>
-      <p:nvGrpSpPr>
-        <p:cNvPr id="1" name="Shape 77"/>
-        <p:cNvGrpSpPr/>
-        <p:nvPr/>
-      </p:nvGrpSpPr>
-      <p:grpSpPr>
-        <a:xfrm>
-          <a:off x="0" y="0"/>
-          <a:ext cx="0" cy="0"/>
-          <a:chOff x="0" y="0"/>
-          <a:chExt cx="0" cy="0"/>
-        </a:xfrm>
-      </p:grpSpPr>
-      <p:sp>
-        <p:nvSpPr>
-          <p:cNvPr id="78" name="Shape 78"/>
-          <p:cNvSpPr>
-            <a:spLocks noGrp="1" noRot="1" noChangeAspect="1"/>
-          </p:cNvSpPr>
-          <p:nvPr>
-            <p:ph type="sldImg" idx="2"/>
-          </p:nvPr>
-        </p:nvSpPr>
-        <p:spPr>
-          <a:xfrm>
-            <a:off x="1143000" y="685800"/>
-            <a:ext cx="4572000" cy="3429000"/>
-          </a:xfrm>
-          <a:custGeom>
-            <a:avLst/>
-            <a:gdLst/>
-            <a:ahLst/>
-            <a:cxnLst/>
-            <a:rect l="0" t="0" r="0" b="0"/>
-            <a:pathLst>
-              <a:path w="120000" h="120000" extrusionOk="0">
-                <a:moveTo>
-                  <a:pt x="0" y="0"/>
-                </a:moveTo>
-                <a:lnTo>
-                  <a:pt x="120000" y="0"/>
-                </a:lnTo>
-                <a:lnTo>
-                  <a:pt x="120000" y="120000"/>
-                </a:lnTo>
-                <a:lnTo>
-                  <a:pt x="0" y="120000"/>
-                </a:lnTo>
-                <a:close/>
-              </a:path>
-            </a:pathLst>
-          </a:custGeom>
-        </p:spPr>
-      </p:sp>
-      <p:sp>
-        <p:nvSpPr>
-          <p:cNvPr id="79" name="Shape 79"/>
-          <p:cNvSpPr txBox="1">
-            <a:spLocks noGrp="1"/>
-          </p:cNvSpPr>
-          <p:nvPr>
-            <p:ph type="body" idx="1"/>
-          </p:nvPr>
-        </p:nvSpPr>
-        <p:spPr>
-          <a:xfrm>
-            <a:off x="914400" y="4343400"/>
-            <a:ext cx="5029200" cy="4114800"/>
-          </a:xfrm>
-          <a:prstGeom prst="rect">
-            <a:avLst/>
-          </a:prstGeom>
-        </p:spPr>
-        <p:txBody>
-          <a:bodyPr spcFirstLastPara="1" wrap="square" lIns="91425" tIns="91425" rIns="91425" bIns="91425" anchor="t" anchorCtr="0">
-            <a:noAutofit/>
-          </a:bodyPr>
-          <a:lstStyle/>
-          <a:p>
-            <a:pPr marL="0" lvl="0" indent="0" rtl="0">
-              <a:spcBef>
-                <a:spcPts val="0"/>
-              </a:spcBef>
-              <a:spcAft>
-                <a:spcPts val="0"/>
-              </a:spcAft>
-              <a:buNone/>
-            </a:pPr>
-            <a:endParaRPr/>
-          </a:p>
-        </p:txBody>
-      </p:sp>
-      <p:sp>
-        <p:nvSpPr>
-          <p:cNvPr id="80" name="Shape 80"/>
-          <p:cNvSpPr txBox="1">
-            <a:spLocks noGrp="1"/>
-          </p:cNvSpPr>
-          <p:nvPr>
-            <p:ph type="sldNum" idx="12"/>
-          </p:nvPr>
-        </p:nvSpPr>
-        <p:spPr>
-          <a:xfrm>
-            <a:off x="3886200" y="8686800"/>
-            <a:ext cx="2971800" cy="457200"/>
-          </a:xfrm>
-          <a:prstGeom prst="rect">
-            <a:avLst/>
-          </a:prstGeom>
-        </p:spPr>
-        <p:txBody>
-          <a:bodyPr spcFirstLastPara="1" wrap="square" lIns="91425" tIns="45700" rIns="91425" bIns="45700" anchor="b" anchorCtr="0">
-            <a:noAutofit/>
-          </a:bodyPr>
-          <a:lstStyle/>
-          <a:p>
-            <a:pPr marL="0" lvl="0" indent="0" rtl="0">
-              <a:spcBef>
-                <a:spcPts val="0"/>
-              </a:spcBef>
-              <a:spcAft>
-                <a:spcPts val="0"/>
-              </a:spcAft>
-              <a:buNone/>
-            </a:pPr>
-            <a:fld id="{00000000-1234-1234-1234-123412341234}" type="slidenum">
-              <a:rPr lang="en-US"/>
-              <a:t>4</a:t>
-            </a:fld>
-            <a:endParaRPr sz="1400"/>
-          </a:p>
-        </p:txBody>
-      </p:sp>
-    </p:spTree>
-    <p:extLst>
-      <p:ext uri="{BB962C8B-B14F-4D97-AF65-F5344CB8AC3E}">
-        <p14:creationId xmlns:p14="http://schemas.microsoft.com/office/powerpoint/2010/main" val="1210298322"/>
-      </p:ext>
-    </p:extLst>
-  </p:cSld>
-  <p:clrMapOvr>
-    <a:masterClrMapping/>
-  </p:clrMapOvr>
-</p:notes>
-</file>
-
-<file path=ppt/notesSlides/notesSlide3.xml><?xml version="1.0" encoding="utf-8"?>
-<p:notes xmlns:a="http://schemas.openxmlformats.org/drawingml/2006/main" xmlns:r="http://schemas.openxmlformats.org/officeDocument/2006/relationships" xmlns:p="http://schemas.openxmlformats.org/presentationml/2006/main" showMasterSp="0" showMasterPhAnim="0">
-  <p:cSld>
-    <p:spTree>
-      <p:nvGrpSpPr>
-        <p:cNvPr id="1" name="Shape 85"/>
-        <p:cNvGrpSpPr/>
-        <p:nvPr/>
-      </p:nvGrpSpPr>
-      <p:grpSpPr>
-        <a:xfrm>
-          <a:off x="0" y="0"/>
-          <a:ext cx="0" cy="0"/>
-          <a:chOff x="0" y="0"/>
-          <a:chExt cx="0" cy="0"/>
-        </a:xfrm>
-      </p:grpSpPr>
-      <p:sp>
-        <p:nvSpPr>
-          <p:cNvPr id="86" name="Shape 86"/>
-          <p:cNvSpPr>
-            <a:spLocks noGrp="1" noRot="1" noChangeAspect="1"/>
-          </p:cNvSpPr>
-          <p:nvPr>
-            <p:ph type="sldImg" idx="2"/>
-          </p:nvPr>
-        </p:nvSpPr>
-        <p:spPr>
-          <a:xfrm>
-            <a:off x="1143000" y="685800"/>
-            <a:ext cx="4572000" cy="3429000"/>
-          </a:xfrm>
-          <a:custGeom>
-            <a:avLst/>
-            <a:gdLst/>
-            <a:ahLst/>
-            <a:cxnLst/>
-            <a:rect l="0" t="0" r="0" b="0"/>
-            <a:pathLst>
-              <a:path w="120000" h="120000" extrusionOk="0">
-                <a:moveTo>
-                  <a:pt x="0" y="0"/>
-                </a:moveTo>
-                <a:lnTo>
-                  <a:pt x="120000" y="0"/>
-                </a:lnTo>
-                <a:lnTo>
-                  <a:pt x="120000" y="120000"/>
-                </a:lnTo>
-                <a:lnTo>
-                  <a:pt x="0" y="120000"/>
-                </a:lnTo>
-                <a:close/>
-              </a:path>
-            </a:pathLst>
-          </a:custGeom>
-        </p:spPr>
-      </p:sp>
-      <p:sp>
-        <p:nvSpPr>
-          <p:cNvPr id="87" name="Shape 87"/>
-          <p:cNvSpPr txBox="1">
-            <a:spLocks noGrp="1"/>
-          </p:cNvSpPr>
-          <p:nvPr>
-            <p:ph type="body" idx="1"/>
-          </p:nvPr>
-        </p:nvSpPr>
-        <p:spPr>
-          <a:xfrm>
-            <a:off x="914400" y="4343400"/>
-            <a:ext cx="5029200" cy="4114800"/>
-          </a:xfrm>
-          <a:prstGeom prst="rect">
-            <a:avLst/>
-          </a:prstGeom>
-        </p:spPr>
-        <p:txBody>
-          <a:bodyPr spcFirstLastPara="1" wrap="square" lIns="91425" tIns="91425" rIns="91425" bIns="91425" anchor="t" anchorCtr="0">
-            <a:noAutofit/>
-          </a:bodyPr>
-          <a:lstStyle/>
-          <a:p>
-            <a:pPr marL="0" lvl="0" indent="0" rtl="0">
-              <a:spcBef>
-                <a:spcPts val="0"/>
-              </a:spcBef>
-              <a:spcAft>
-                <a:spcPts val="0"/>
-              </a:spcAft>
-              <a:buNone/>
-            </a:pPr>
-            <a:endParaRPr/>
-          </a:p>
-        </p:txBody>
-      </p:sp>
-      <p:sp>
-        <p:nvSpPr>
-          <p:cNvPr id="88" name="Shape 88"/>
-          <p:cNvSpPr txBox="1">
-            <a:spLocks noGrp="1"/>
-          </p:cNvSpPr>
-          <p:nvPr>
-            <p:ph type="sldNum" idx="12"/>
-          </p:nvPr>
-        </p:nvSpPr>
-        <p:spPr>
-          <a:xfrm>
-            <a:off x="3886200" y="8686800"/>
-            <a:ext cx="2971800" cy="457200"/>
-          </a:xfrm>
-          <a:prstGeom prst="rect">
-            <a:avLst/>
-          </a:prstGeom>
-        </p:spPr>
-        <p:txBody>
-          <a:bodyPr spcFirstLastPara="1" wrap="square" lIns="91425" tIns="45700" rIns="91425" bIns="45700" anchor="b" anchorCtr="0">
-            <a:noAutofit/>
-          </a:bodyPr>
-          <a:lstStyle/>
-          <a:p>
-            <a:pPr marL="0" lvl="0" indent="0" rtl="0">
-              <a:spcBef>
-                <a:spcPts val="0"/>
-              </a:spcBef>
-              <a:spcAft>
-                <a:spcPts val="0"/>
-              </a:spcAft>
-              <a:buNone/>
-            </a:pPr>
-            <a:fld id="{00000000-1234-1234-1234-123412341234}" type="slidenum">
-              <a:rPr lang="en-US"/>
-              <a:t>5</a:t>
-            </a:fld>
-            <a:endParaRPr sz="1400"/>
-          </a:p>
-        </p:txBody>
-      </p:sp>
-    </p:spTree>
-    <p:extLst>
-      <p:ext uri="{BB962C8B-B14F-4D97-AF65-F5344CB8AC3E}">
-        <p14:creationId xmlns:p14="http://schemas.microsoft.com/office/powerpoint/2010/main" val="578243470"/>
-      </p:ext>
-    </p:extLst>
-  </p:cSld>
-  <p:clrMapOvr>
-    <a:masterClrMapping/>
-  </p:clrMapOvr>
-</p:notes>
-</file>
-
-<file path=ppt/notesSlides/notesSlide4.xml><?xml version="1.0" encoding="utf-8"?>
-<p:notes xmlns:a="http://schemas.openxmlformats.org/drawingml/2006/main" xmlns:r="http://schemas.openxmlformats.org/officeDocument/2006/relationships" xmlns:p="http://schemas.openxmlformats.org/presentationml/2006/main" showMasterSp="0" showMasterPhAnim="0">
-  <p:cSld>
-    <p:spTree>
-      <p:nvGrpSpPr>
-        <p:cNvPr id="1" name="Shape 93"/>
-        <p:cNvGrpSpPr/>
-        <p:nvPr/>
-      </p:nvGrpSpPr>
-      <p:grpSpPr>
-        <a:xfrm>
-          <a:off x="0" y="0"/>
-          <a:ext cx="0" cy="0"/>
-          <a:chOff x="0" y="0"/>
-          <a:chExt cx="0" cy="0"/>
-        </a:xfrm>
-      </p:grpSpPr>
-      <p:sp>
-        <p:nvSpPr>
-          <p:cNvPr id="94" name="Shape 94"/>
-          <p:cNvSpPr>
-            <a:spLocks noGrp="1" noRot="1" noChangeAspect="1"/>
-          </p:cNvSpPr>
-          <p:nvPr>
-            <p:ph type="sldImg" idx="2"/>
-          </p:nvPr>
-        </p:nvSpPr>
-        <p:spPr>
-          <a:xfrm>
-            <a:off x="1143000" y="685800"/>
-            <a:ext cx="4572000" cy="3429000"/>
-          </a:xfrm>
-          <a:custGeom>
-            <a:avLst/>
-            <a:gdLst/>
-            <a:ahLst/>
-            <a:cxnLst/>
-            <a:rect l="0" t="0" r="0" b="0"/>
-            <a:pathLst>
-              <a:path w="120000" h="120000" extrusionOk="0">
-                <a:moveTo>
-                  <a:pt x="0" y="0"/>
-                </a:moveTo>
-                <a:lnTo>
-                  <a:pt x="120000" y="0"/>
-                </a:lnTo>
-                <a:lnTo>
-                  <a:pt x="120000" y="120000"/>
-                </a:lnTo>
-                <a:lnTo>
-                  <a:pt x="0" y="120000"/>
-                </a:lnTo>
-                <a:close/>
-              </a:path>
-            </a:pathLst>
-          </a:custGeom>
-        </p:spPr>
-      </p:sp>
-      <p:sp>
-        <p:nvSpPr>
-          <p:cNvPr id="95" name="Shape 95"/>
-          <p:cNvSpPr txBox="1">
-            <a:spLocks noGrp="1"/>
-          </p:cNvSpPr>
-          <p:nvPr>
-            <p:ph type="body" idx="1"/>
-          </p:nvPr>
-        </p:nvSpPr>
-        <p:spPr>
-          <a:xfrm>
-            <a:off x="914400" y="4343400"/>
-            <a:ext cx="5029200" cy="4114800"/>
-          </a:xfrm>
-          <a:prstGeom prst="rect">
-            <a:avLst/>
-          </a:prstGeom>
-        </p:spPr>
-        <p:txBody>
-          <a:bodyPr spcFirstLastPara="1" wrap="square" lIns="91425" tIns="91425" rIns="91425" bIns="91425" anchor="t" anchorCtr="0">
-            <a:noAutofit/>
-          </a:bodyPr>
-          <a:lstStyle/>
-          <a:p>
-            <a:pPr marL="0" lvl="0" indent="0">
-              <a:spcBef>
-                <a:spcPts val="0"/>
-              </a:spcBef>
-              <a:spcAft>
-                <a:spcPts val="0"/>
-              </a:spcAft>
-              <a:buNone/>
-            </a:pPr>
-            <a:endParaRPr/>
-          </a:p>
-        </p:txBody>
-      </p:sp>
-      <p:sp>
-        <p:nvSpPr>
-          <p:cNvPr id="96" name="Shape 96"/>
-          <p:cNvSpPr txBox="1">
-            <a:spLocks noGrp="1"/>
-          </p:cNvSpPr>
-          <p:nvPr>
-            <p:ph type="sldNum" idx="12"/>
-          </p:nvPr>
-        </p:nvSpPr>
-        <p:spPr>
-          <a:xfrm>
-            <a:off x="3886200" y="8686800"/>
-            <a:ext cx="2971800" cy="457200"/>
-          </a:xfrm>
-          <a:prstGeom prst="rect">
-            <a:avLst/>
-          </a:prstGeom>
-        </p:spPr>
-        <p:txBody>
-          <a:bodyPr spcFirstLastPara="1" wrap="square" lIns="91425" tIns="45700" rIns="91425" bIns="45700" anchor="b" anchorCtr="0">
-            <a:noAutofit/>
-          </a:bodyPr>
-          <a:lstStyle/>
-          <a:p>
-            <a:pPr marL="0" lvl="0" indent="0">
-              <a:spcBef>
-                <a:spcPts val="0"/>
-              </a:spcBef>
-              <a:spcAft>
-                <a:spcPts val="0"/>
-              </a:spcAft>
-              <a:buClr>
-                <a:srgbClr val="000000"/>
-              </a:buClr>
-              <a:buFont typeface="Arial"/>
-              <a:buNone/>
-            </a:pPr>
-            <a:fld id="{00000000-1234-1234-1234-123412341234}" type="slidenum">
-              <a:rPr lang="en-US"/>
-              <a:t>6</a:t>
-            </a:fld>
-            <a:endParaRPr sz="1400"/>
-          </a:p>
-        </p:txBody>
-      </p:sp>
-    </p:spTree>
-  </p:cSld>
-  <p:clrMapOvr>
-    <a:masterClrMapping/>
-  </p:clrMapOvr>
-</p:notes>
-</file>
-
-<file path=ppt/notesSlides/notesSlide5.xml><?xml version="1.0" encoding="utf-8"?>
-<p:notes xmlns:a="http://schemas.openxmlformats.org/drawingml/2006/main" xmlns:r="http://schemas.openxmlformats.org/officeDocument/2006/relationships" xmlns:p="http://schemas.openxmlformats.org/presentationml/2006/main" showMasterSp="0" showMasterPhAnim="0">
-  <p:cSld>
-    <p:spTree>
-      <p:nvGrpSpPr>
-        <p:cNvPr id="1" name="Shape 100"/>
-        <p:cNvGrpSpPr/>
-        <p:nvPr/>
-      </p:nvGrpSpPr>
-      <p:grpSpPr>
-        <a:xfrm>
-          <a:off x="0" y="0"/>
-          <a:ext cx="0" cy="0"/>
-          <a:chOff x="0" y="0"/>
-          <a:chExt cx="0" cy="0"/>
-        </a:xfrm>
-      </p:grpSpPr>
-      <p:sp>
-        <p:nvSpPr>
-          <p:cNvPr id="101" name="Shape 101"/>
+          <p:cNvPr id="115" name="Shape 115"/>
           <p:cNvSpPr>
             <a:spLocks noGrp="1" noRot="1" noChangeAspect="1"/>
           </p:cNvSpPr>
@@ -2712,7 +1343,7 @@
       </p:sp>
       <p:sp>
         <p:nvSpPr>
-          <p:cNvPr id="102" name="Shape 102"/>
+          <p:cNvPr id="116" name="Shape 116"/>
           <p:cNvSpPr txBox="1">
             <a:spLocks noGrp="1"/>
           </p:cNvSpPr>
@@ -2768,12 +1399,12 @@
 </p:notes>
 </file>
 
-<file path=ppt/notesSlides/notesSlide6.xml><?xml version="1.0" encoding="utf-8"?>
+<file path=ppt/notesSlides/notesSlide11.xml><?xml version="1.0" encoding="utf-8"?>
 <p:notes xmlns:a="http://schemas.openxmlformats.org/drawingml/2006/main" xmlns:r="http://schemas.openxmlformats.org/officeDocument/2006/relationships" xmlns:p="http://schemas.openxmlformats.org/presentationml/2006/main" showMasterSp="0" showMasterPhAnim="0">
   <p:cSld>
     <p:spTree>
       <p:nvGrpSpPr>
-        <p:cNvPr id="1" name="Shape 120"/>
+        <p:cNvPr id="1" name="Shape 155"/>
         <p:cNvGrpSpPr/>
         <p:nvPr/>
       </p:nvGrpSpPr>
@@ -2787,7 +1418,7 @@
       </p:grpSpPr>
       <p:sp>
         <p:nvSpPr>
-          <p:cNvPr id="121" name="Shape 121"/>
+          <p:cNvPr id="156" name="Shape 156"/>
           <p:cNvSpPr>
             <a:spLocks noGrp="1" noRot="1" noChangeAspect="1"/>
           </p:cNvSpPr>
@@ -2828,7 +1459,7 @@
       </p:sp>
       <p:sp>
         <p:nvSpPr>
-          <p:cNvPr id="122" name="Shape 122"/>
+          <p:cNvPr id="157" name="Shape 157"/>
           <p:cNvSpPr txBox="1">
             <a:spLocks noGrp="1"/>
           </p:cNvSpPr>
@@ -2866,7 +1497,7 @@
       </p:sp>
       <p:sp>
         <p:nvSpPr>
-          <p:cNvPr id="123" name="Shape 123"/>
+          <p:cNvPr id="158" name="Shape 158"/>
           <p:cNvSpPr txBox="1">
             <a:spLocks noGrp="1"/>
           </p:cNvSpPr>
@@ -2904,7 +1535,7 @@
             </a:pPr>
             <a:fld id="{00000000-1234-1234-1234-123412341234}" type="slidenum">
               <a:rPr lang="en-US"/>
-              <a:t>10</a:t>
+              <a:t>16</a:t>
             </a:fld>
             <a:endParaRPr sz="1400"/>
           </a:p>
@@ -2913,7 +1544,7 @@
     </p:spTree>
     <p:extLst>
       <p:ext uri="{BB962C8B-B14F-4D97-AF65-F5344CB8AC3E}">
-        <p14:creationId xmlns:p14="http://schemas.microsoft.com/office/powerpoint/2010/main" val="362325300"/>
+        <p14:creationId xmlns:p14="http://schemas.microsoft.com/office/powerpoint/2010/main" val="887259376"/>
       </p:ext>
     </p:extLst>
   </p:cSld>
@@ -2923,12 +1554,12 @@
 </p:notes>
 </file>
 
-<file path=ppt/notesSlides/notesSlide7.xml><?xml version="1.0" encoding="utf-8"?>
+<file path=ppt/notesSlides/notesSlide12.xml><?xml version="1.0" encoding="utf-8"?>
 <p:notes xmlns:a="http://schemas.openxmlformats.org/drawingml/2006/main" xmlns:r="http://schemas.openxmlformats.org/officeDocument/2006/relationships" xmlns:p="http://schemas.openxmlformats.org/presentationml/2006/main" showMasterSp="0" showMasterPhAnim="0">
   <p:cSld>
     <p:spTree>
       <p:nvGrpSpPr>
-        <p:cNvPr id="1" name="Shape 129"/>
+        <p:cNvPr id="1" name="Shape 165"/>
         <p:cNvGrpSpPr/>
         <p:nvPr/>
       </p:nvGrpSpPr>
@@ -2942,7 +1573,7 @@
       </p:grpSpPr>
       <p:sp>
         <p:nvSpPr>
-          <p:cNvPr id="130" name="Shape 130"/>
+          <p:cNvPr id="166" name="Shape 166"/>
           <p:cNvSpPr>
             <a:spLocks noGrp="1" noRot="1" noChangeAspect="1"/>
           </p:cNvSpPr>
@@ -2983,7 +1614,7 @@
       </p:sp>
       <p:sp>
         <p:nvSpPr>
-          <p:cNvPr id="131" name="Shape 131"/>
+          <p:cNvPr id="167" name="Shape 167"/>
           <p:cNvSpPr txBox="1">
             <a:spLocks noGrp="1"/>
           </p:cNvSpPr>
@@ -3006,7 +1637,7 @@
           </a:bodyPr>
           <a:lstStyle/>
           <a:p>
-            <a:pPr marL="0" lvl="0" indent="0">
+            <a:pPr marL="0" lvl="0" indent="0" rtl="0">
               <a:spcBef>
                 <a:spcPts val="0"/>
               </a:spcBef>
@@ -3021,7 +1652,7 @@
       </p:sp>
       <p:sp>
         <p:nvSpPr>
-          <p:cNvPr id="132" name="Shape 132"/>
+          <p:cNvPr id="168" name="Shape 168"/>
           <p:cNvSpPr txBox="1">
             <a:spLocks noGrp="1"/>
           </p:cNvSpPr>
@@ -3044,22 +1675,18 @@
           </a:bodyPr>
           <a:lstStyle/>
           <a:p>
-            <a:pPr marL="0" lvl="0" indent="0">
+            <a:pPr marL="0" lvl="0" indent="0" rtl="0">
               <a:spcBef>
                 <a:spcPts val="0"/>
               </a:spcBef>
               <a:spcAft>
                 <a:spcPts val="0"/>
               </a:spcAft>
-              <a:buClr>
-                <a:srgbClr val="000000"/>
-              </a:buClr>
-              <a:buFont typeface="Arial"/>
               <a:buNone/>
             </a:pPr>
             <a:fld id="{00000000-1234-1234-1234-123412341234}" type="slidenum">
               <a:rPr lang="en-US"/>
-              <a:t>12</a:t>
+              <a:t>17</a:t>
             </a:fld>
             <a:endParaRPr sz="1400"/>
           </a:p>
@@ -3068,7 +1695,7 @@
     </p:spTree>
     <p:extLst>
       <p:ext uri="{BB962C8B-B14F-4D97-AF65-F5344CB8AC3E}">
-        <p14:creationId xmlns:p14="http://schemas.microsoft.com/office/powerpoint/2010/main" val="1181779904"/>
+        <p14:creationId xmlns:p14="http://schemas.microsoft.com/office/powerpoint/2010/main" val="1778816279"/>
       </p:ext>
     </p:extLst>
   </p:cSld>
@@ -3078,12 +1705,12 @@
 </p:notes>
 </file>
 
-<file path=ppt/notesSlides/notesSlide8.xml><?xml version="1.0" encoding="utf-8"?>
+<file path=ppt/notesSlides/notesSlide13.xml><?xml version="1.0" encoding="utf-8"?>
 <p:notes xmlns:a="http://schemas.openxmlformats.org/drawingml/2006/main" xmlns:r="http://schemas.openxmlformats.org/officeDocument/2006/relationships" xmlns:p="http://schemas.openxmlformats.org/presentationml/2006/main" showMasterSp="0" showMasterPhAnim="0">
   <p:cSld>
     <p:spTree>
       <p:nvGrpSpPr>
-        <p:cNvPr id="1" name="Shape 139"/>
+        <p:cNvPr id="1" name="Shape 175"/>
         <p:cNvGrpSpPr/>
         <p:nvPr/>
       </p:nvGrpSpPr>
@@ -3097,7 +1724,7 @@
       </p:grpSpPr>
       <p:sp>
         <p:nvSpPr>
-          <p:cNvPr id="140" name="Shape 140"/>
+          <p:cNvPr id="176" name="Shape 176"/>
           <p:cNvSpPr>
             <a:spLocks noGrp="1" noRot="1" noChangeAspect="1"/>
           </p:cNvSpPr>
@@ -3138,7 +1765,7 @@
       </p:sp>
       <p:sp>
         <p:nvSpPr>
-          <p:cNvPr id="141" name="Shape 141"/>
+          <p:cNvPr id="177" name="Shape 177"/>
           <p:cNvSpPr txBox="1">
             <a:spLocks noGrp="1"/>
           </p:cNvSpPr>
@@ -3161,7 +1788,7 @@
           </a:bodyPr>
           <a:lstStyle/>
           <a:p>
-            <a:pPr marL="0" lvl="0" indent="0" rtl="0">
+            <a:pPr marL="0" lvl="0" indent="0">
               <a:spcBef>
                 <a:spcPts val="0"/>
               </a:spcBef>
@@ -3176,7 +1803,7 @@
       </p:sp>
       <p:sp>
         <p:nvSpPr>
-          <p:cNvPr id="142" name="Shape 142"/>
+          <p:cNvPr id="178" name="Shape 178"/>
           <p:cNvSpPr txBox="1">
             <a:spLocks noGrp="1"/>
           </p:cNvSpPr>
@@ -3199,18 +1826,22 @@
           </a:bodyPr>
           <a:lstStyle/>
           <a:p>
-            <a:pPr marL="0" lvl="0" indent="0" rtl="0">
+            <a:pPr marL="0" lvl="0" indent="0">
               <a:spcBef>
                 <a:spcPts val="0"/>
               </a:spcBef>
               <a:spcAft>
                 <a:spcPts val="0"/>
               </a:spcAft>
+              <a:buClr>
+                <a:srgbClr val="000000"/>
+              </a:buClr>
+              <a:buFont typeface="Arial"/>
               <a:buNone/>
             </a:pPr>
             <a:fld id="{00000000-1234-1234-1234-123412341234}" type="slidenum">
               <a:rPr lang="en-US"/>
-              <a:t>13</a:t>
+              <a:t>18</a:t>
             </a:fld>
             <a:endParaRPr sz="1400"/>
           </a:p>
@@ -3219,7 +1850,7 @@
     </p:spTree>
     <p:extLst>
       <p:ext uri="{BB962C8B-B14F-4D97-AF65-F5344CB8AC3E}">
-        <p14:creationId xmlns:p14="http://schemas.microsoft.com/office/powerpoint/2010/main" val="1383416138"/>
+        <p14:creationId xmlns:p14="http://schemas.microsoft.com/office/powerpoint/2010/main" val="1831196445"/>
       </p:ext>
     </p:extLst>
   </p:cSld>
@@ -3229,12 +1860,12 @@
 </p:notes>
 </file>
 
-<file path=ppt/notesSlides/notesSlide9.xml><?xml version="1.0" encoding="utf-8"?>
+<file path=ppt/notesSlides/notesSlide14.xml><?xml version="1.0" encoding="utf-8"?>
 <p:notes xmlns:a="http://schemas.openxmlformats.org/drawingml/2006/main" xmlns:r="http://schemas.openxmlformats.org/officeDocument/2006/relationships" xmlns:p="http://schemas.openxmlformats.org/presentationml/2006/main" showMasterSp="0" showMasterPhAnim="0">
   <p:cSld>
     <p:spTree>
       <p:nvGrpSpPr>
-        <p:cNvPr id="1" name="Shape 114"/>
+        <p:cNvPr id="1" name="Shape 187"/>
         <p:cNvGrpSpPr/>
         <p:nvPr/>
       </p:nvGrpSpPr>
@@ -3248,7 +1879,916 @@
       </p:grpSpPr>
       <p:sp>
         <p:nvSpPr>
-          <p:cNvPr id="115" name="Shape 115"/>
+          <p:cNvPr id="188" name="Shape 188"/>
+          <p:cNvSpPr>
+            <a:spLocks noGrp="1" noRot="1" noChangeAspect="1"/>
+          </p:cNvSpPr>
+          <p:nvPr>
+            <p:ph type="sldImg" idx="2"/>
+          </p:nvPr>
+        </p:nvSpPr>
+        <p:spPr>
+          <a:xfrm>
+            <a:off x="1143000" y="685800"/>
+            <a:ext cx="4572000" cy="3429000"/>
+          </a:xfrm>
+          <a:custGeom>
+            <a:avLst/>
+            <a:gdLst/>
+            <a:ahLst/>
+            <a:cxnLst/>
+            <a:rect l="0" t="0" r="0" b="0"/>
+            <a:pathLst>
+              <a:path w="120000" h="120000" extrusionOk="0">
+                <a:moveTo>
+                  <a:pt x="0" y="0"/>
+                </a:moveTo>
+                <a:lnTo>
+                  <a:pt x="120000" y="0"/>
+                </a:lnTo>
+                <a:lnTo>
+                  <a:pt x="120000" y="120000"/>
+                </a:lnTo>
+                <a:lnTo>
+                  <a:pt x="0" y="120000"/>
+                </a:lnTo>
+                <a:close/>
+              </a:path>
+            </a:pathLst>
+          </a:custGeom>
+        </p:spPr>
+      </p:sp>
+      <p:sp>
+        <p:nvSpPr>
+          <p:cNvPr id="189" name="Shape 189"/>
+          <p:cNvSpPr txBox="1">
+            <a:spLocks noGrp="1"/>
+          </p:cNvSpPr>
+          <p:nvPr>
+            <p:ph type="body" idx="1"/>
+          </p:nvPr>
+        </p:nvSpPr>
+        <p:spPr>
+          <a:xfrm>
+            <a:off x="914400" y="4343400"/>
+            <a:ext cx="5029200" cy="4114800"/>
+          </a:xfrm>
+          <a:prstGeom prst="rect">
+            <a:avLst/>
+          </a:prstGeom>
+        </p:spPr>
+        <p:txBody>
+          <a:bodyPr spcFirstLastPara="1" wrap="square" lIns="91425" tIns="91425" rIns="91425" bIns="91425" anchor="t" anchorCtr="0">
+            <a:noAutofit/>
+          </a:bodyPr>
+          <a:lstStyle/>
+          <a:p>
+            <a:pPr marL="0" lvl="0" indent="0" rtl="0">
+              <a:spcBef>
+                <a:spcPts val="0"/>
+              </a:spcBef>
+              <a:spcAft>
+                <a:spcPts val="0"/>
+              </a:spcAft>
+              <a:buNone/>
+            </a:pPr>
+            <a:endParaRPr/>
+          </a:p>
+        </p:txBody>
+      </p:sp>
+      <p:sp>
+        <p:nvSpPr>
+          <p:cNvPr id="190" name="Shape 190"/>
+          <p:cNvSpPr txBox="1">
+            <a:spLocks noGrp="1"/>
+          </p:cNvSpPr>
+          <p:nvPr>
+            <p:ph type="sldNum" idx="12"/>
+          </p:nvPr>
+        </p:nvSpPr>
+        <p:spPr>
+          <a:xfrm>
+            <a:off x="3886200" y="8686800"/>
+            <a:ext cx="2971800" cy="457200"/>
+          </a:xfrm>
+          <a:prstGeom prst="rect">
+            <a:avLst/>
+          </a:prstGeom>
+        </p:spPr>
+        <p:txBody>
+          <a:bodyPr spcFirstLastPara="1" wrap="square" lIns="91425" tIns="45700" rIns="91425" bIns="45700" anchor="b" anchorCtr="0">
+            <a:noAutofit/>
+          </a:bodyPr>
+          <a:lstStyle/>
+          <a:p>
+            <a:pPr marL="0" lvl="0" indent="0" rtl="0">
+              <a:spcBef>
+                <a:spcPts val="0"/>
+              </a:spcBef>
+              <a:spcAft>
+                <a:spcPts val="0"/>
+              </a:spcAft>
+              <a:buNone/>
+            </a:pPr>
+            <a:fld id="{00000000-1234-1234-1234-123412341234}" type="slidenum">
+              <a:rPr lang="en-US"/>
+              <a:t>19</a:t>
+            </a:fld>
+            <a:endParaRPr sz="1400"/>
+          </a:p>
+        </p:txBody>
+      </p:sp>
+    </p:spTree>
+    <p:extLst>
+      <p:ext uri="{BB962C8B-B14F-4D97-AF65-F5344CB8AC3E}">
+        <p14:creationId xmlns:p14="http://schemas.microsoft.com/office/powerpoint/2010/main" val="66419895"/>
+      </p:ext>
+    </p:extLst>
+  </p:cSld>
+  <p:clrMapOvr>
+    <a:masterClrMapping/>
+  </p:clrMapOvr>
+</p:notes>
+</file>
+
+<file path=ppt/notesSlides/notesSlide15.xml><?xml version="1.0" encoding="utf-8"?>
+<p:notes xmlns:a="http://schemas.openxmlformats.org/drawingml/2006/main" xmlns:r="http://schemas.openxmlformats.org/officeDocument/2006/relationships" xmlns:p="http://schemas.openxmlformats.org/presentationml/2006/main" showMasterSp="0" showMasterPhAnim="0">
+  <p:cSld>
+    <p:spTree>
+      <p:nvGrpSpPr>
+        <p:cNvPr id="1" name="Shape 194"/>
+        <p:cNvGrpSpPr/>
+        <p:nvPr/>
+      </p:nvGrpSpPr>
+      <p:grpSpPr>
+        <a:xfrm>
+          <a:off x="0" y="0"/>
+          <a:ext cx="0" cy="0"/>
+          <a:chOff x="0" y="0"/>
+          <a:chExt cx="0" cy="0"/>
+        </a:xfrm>
+      </p:grpSpPr>
+      <p:sp>
+        <p:nvSpPr>
+          <p:cNvPr id="195" name="Shape 195"/>
+          <p:cNvSpPr>
+            <a:spLocks noGrp="1" noRot="1" noChangeAspect="1"/>
+          </p:cNvSpPr>
+          <p:nvPr>
+            <p:ph type="sldImg" idx="2"/>
+          </p:nvPr>
+        </p:nvSpPr>
+        <p:spPr>
+          <a:xfrm>
+            <a:off x="1143000" y="685800"/>
+            <a:ext cx="4572000" cy="3429000"/>
+          </a:xfrm>
+          <a:custGeom>
+            <a:avLst/>
+            <a:gdLst/>
+            <a:ahLst/>
+            <a:cxnLst/>
+            <a:rect l="0" t="0" r="0" b="0"/>
+            <a:pathLst>
+              <a:path w="120000" h="120000" extrusionOk="0">
+                <a:moveTo>
+                  <a:pt x="0" y="0"/>
+                </a:moveTo>
+                <a:lnTo>
+                  <a:pt x="120000" y="0"/>
+                </a:lnTo>
+                <a:lnTo>
+                  <a:pt x="120000" y="120000"/>
+                </a:lnTo>
+                <a:lnTo>
+                  <a:pt x="0" y="120000"/>
+                </a:lnTo>
+                <a:close/>
+              </a:path>
+            </a:pathLst>
+          </a:custGeom>
+        </p:spPr>
+      </p:sp>
+      <p:sp>
+        <p:nvSpPr>
+          <p:cNvPr id="196" name="Shape 196"/>
+          <p:cNvSpPr txBox="1">
+            <a:spLocks noGrp="1"/>
+          </p:cNvSpPr>
+          <p:nvPr>
+            <p:ph type="body" idx="1"/>
+          </p:nvPr>
+        </p:nvSpPr>
+        <p:spPr>
+          <a:xfrm>
+            <a:off x="914400" y="4343400"/>
+            <a:ext cx="5029200" cy="4114800"/>
+          </a:xfrm>
+          <a:prstGeom prst="rect">
+            <a:avLst/>
+          </a:prstGeom>
+        </p:spPr>
+        <p:txBody>
+          <a:bodyPr spcFirstLastPara="1" wrap="square" lIns="91425" tIns="91425" rIns="91425" bIns="91425" anchor="t" anchorCtr="0">
+            <a:noAutofit/>
+          </a:bodyPr>
+          <a:lstStyle/>
+          <a:p>
+            <a:pPr marL="0" lvl="0" indent="0" rtl="0">
+              <a:spcBef>
+                <a:spcPts val="0"/>
+              </a:spcBef>
+              <a:spcAft>
+                <a:spcPts val="0"/>
+              </a:spcAft>
+              <a:buNone/>
+            </a:pPr>
+            <a:endParaRPr/>
+          </a:p>
+        </p:txBody>
+      </p:sp>
+      <p:sp>
+        <p:nvSpPr>
+          <p:cNvPr id="197" name="Shape 197"/>
+          <p:cNvSpPr txBox="1">
+            <a:spLocks noGrp="1"/>
+          </p:cNvSpPr>
+          <p:nvPr>
+            <p:ph type="sldNum" idx="12"/>
+          </p:nvPr>
+        </p:nvSpPr>
+        <p:spPr>
+          <a:xfrm>
+            <a:off x="3886200" y="8686800"/>
+            <a:ext cx="2971800" cy="457200"/>
+          </a:xfrm>
+          <a:prstGeom prst="rect">
+            <a:avLst/>
+          </a:prstGeom>
+        </p:spPr>
+        <p:txBody>
+          <a:bodyPr spcFirstLastPara="1" wrap="square" lIns="91425" tIns="45700" rIns="91425" bIns="45700" anchor="b" anchorCtr="0">
+            <a:noAutofit/>
+          </a:bodyPr>
+          <a:lstStyle/>
+          <a:p>
+            <a:pPr marL="0" lvl="0" indent="0" rtl="0">
+              <a:spcBef>
+                <a:spcPts val="0"/>
+              </a:spcBef>
+              <a:spcAft>
+                <a:spcPts val="0"/>
+              </a:spcAft>
+              <a:buNone/>
+            </a:pPr>
+            <a:fld id="{00000000-1234-1234-1234-123412341234}" type="slidenum">
+              <a:rPr lang="en-US"/>
+              <a:t>20</a:t>
+            </a:fld>
+            <a:endParaRPr sz="1400"/>
+          </a:p>
+        </p:txBody>
+      </p:sp>
+    </p:spTree>
+    <p:extLst>
+      <p:ext uri="{BB962C8B-B14F-4D97-AF65-F5344CB8AC3E}">
+        <p14:creationId xmlns:p14="http://schemas.microsoft.com/office/powerpoint/2010/main" val="165359133"/>
+      </p:ext>
+    </p:extLst>
+  </p:cSld>
+  <p:clrMapOvr>
+    <a:masterClrMapping/>
+  </p:clrMapOvr>
+</p:notes>
+</file>
+
+<file path=ppt/notesSlides/notesSlide16.xml><?xml version="1.0" encoding="utf-8"?>
+<p:notes xmlns:a="http://schemas.openxmlformats.org/drawingml/2006/main" xmlns:r="http://schemas.openxmlformats.org/officeDocument/2006/relationships" xmlns:p="http://schemas.openxmlformats.org/presentationml/2006/main" showMasterSp="0" showMasterPhAnim="0">
+  <p:cSld>
+    <p:spTree>
+      <p:nvGrpSpPr>
+        <p:cNvPr id="1" name="Shape 206"/>
+        <p:cNvGrpSpPr/>
+        <p:nvPr/>
+      </p:nvGrpSpPr>
+      <p:grpSpPr>
+        <a:xfrm>
+          <a:off x="0" y="0"/>
+          <a:ext cx="0" cy="0"/>
+          <a:chOff x="0" y="0"/>
+          <a:chExt cx="0" cy="0"/>
+        </a:xfrm>
+      </p:grpSpPr>
+      <p:sp>
+        <p:nvSpPr>
+          <p:cNvPr id="207" name="Shape 207"/>
+          <p:cNvSpPr>
+            <a:spLocks noGrp="1" noRot="1" noChangeAspect="1"/>
+          </p:cNvSpPr>
+          <p:nvPr>
+            <p:ph type="sldImg" idx="2"/>
+          </p:nvPr>
+        </p:nvSpPr>
+        <p:spPr>
+          <a:xfrm>
+            <a:off x="1143000" y="685800"/>
+            <a:ext cx="4572000" cy="3429000"/>
+          </a:xfrm>
+          <a:custGeom>
+            <a:avLst/>
+            <a:gdLst/>
+            <a:ahLst/>
+            <a:cxnLst/>
+            <a:rect l="0" t="0" r="0" b="0"/>
+            <a:pathLst>
+              <a:path w="120000" h="120000" extrusionOk="0">
+                <a:moveTo>
+                  <a:pt x="0" y="0"/>
+                </a:moveTo>
+                <a:lnTo>
+                  <a:pt x="120000" y="0"/>
+                </a:lnTo>
+                <a:lnTo>
+                  <a:pt x="120000" y="120000"/>
+                </a:lnTo>
+                <a:lnTo>
+                  <a:pt x="0" y="120000"/>
+                </a:lnTo>
+                <a:close/>
+              </a:path>
+            </a:pathLst>
+          </a:custGeom>
+        </p:spPr>
+      </p:sp>
+      <p:sp>
+        <p:nvSpPr>
+          <p:cNvPr id="208" name="Shape 208"/>
+          <p:cNvSpPr txBox="1">
+            <a:spLocks noGrp="1"/>
+          </p:cNvSpPr>
+          <p:nvPr>
+            <p:ph type="body" idx="1"/>
+          </p:nvPr>
+        </p:nvSpPr>
+        <p:spPr>
+          <a:xfrm>
+            <a:off x="914400" y="4343400"/>
+            <a:ext cx="5029200" cy="4114800"/>
+          </a:xfrm>
+          <a:prstGeom prst="rect">
+            <a:avLst/>
+          </a:prstGeom>
+        </p:spPr>
+        <p:txBody>
+          <a:bodyPr spcFirstLastPara="1" wrap="square" lIns="91425" tIns="91425" rIns="91425" bIns="91425" anchor="t" anchorCtr="0">
+            <a:noAutofit/>
+          </a:bodyPr>
+          <a:lstStyle/>
+          <a:p>
+            <a:pPr marL="0" lvl="0" indent="0">
+              <a:spcBef>
+                <a:spcPts val="0"/>
+              </a:spcBef>
+              <a:spcAft>
+                <a:spcPts val="0"/>
+              </a:spcAft>
+              <a:buNone/>
+            </a:pPr>
+            <a:endParaRPr/>
+          </a:p>
+        </p:txBody>
+      </p:sp>
+      <p:sp>
+        <p:nvSpPr>
+          <p:cNvPr id="209" name="Shape 209"/>
+          <p:cNvSpPr txBox="1">
+            <a:spLocks noGrp="1"/>
+          </p:cNvSpPr>
+          <p:nvPr>
+            <p:ph type="sldNum" idx="12"/>
+          </p:nvPr>
+        </p:nvSpPr>
+        <p:spPr>
+          <a:xfrm>
+            <a:off x="3886200" y="8686800"/>
+            <a:ext cx="2971800" cy="457200"/>
+          </a:xfrm>
+          <a:prstGeom prst="rect">
+            <a:avLst/>
+          </a:prstGeom>
+        </p:spPr>
+        <p:txBody>
+          <a:bodyPr spcFirstLastPara="1" wrap="square" lIns="91425" tIns="45700" rIns="91425" bIns="45700" anchor="b" anchorCtr="0">
+            <a:noAutofit/>
+          </a:bodyPr>
+          <a:lstStyle/>
+          <a:p>
+            <a:pPr marL="0" lvl="0" indent="0">
+              <a:spcBef>
+                <a:spcPts val="0"/>
+              </a:spcBef>
+              <a:spcAft>
+                <a:spcPts val="0"/>
+              </a:spcAft>
+              <a:buClr>
+                <a:srgbClr val="000000"/>
+              </a:buClr>
+              <a:buFont typeface="Arial"/>
+              <a:buNone/>
+            </a:pPr>
+            <a:fld id="{00000000-1234-1234-1234-123412341234}" type="slidenum">
+              <a:rPr lang="en-US"/>
+              <a:t>21</a:t>
+            </a:fld>
+            <a:endParaRPr sz="1400"/>
+          </a:p>
+        </p:txBody>
+      </p:sp>
+    </p:spTree>
+    <p:extLst>
+      <p:ext uri="{BB962C8B-B14F-4D97-AF65-F5344CB8AC3E}">
+        <p14:creationId xmlns:p14="http://schemas.microsoft.com/office/powerpoint/2010/main" val="1297276939"/>
+      </p:ext>
+    </p:extLst>
+  </p:cSld>
+  <p:clrMapOvr>
+    <a:masterClrMapping/>
+  </p:clrMapOvr>
+</p:notes>
+</file>
+
+<file path=ppt/notesSlides/notesSlide2.xml><?xml version="1.0" encoding="utf-8"?>
+<p:notes xmlns:a="http://schemas.openxmlformats.org/drawingml/2006/main" xmlns:r="http://schemas.openxmlformats.org/officeDocument/2006/relationships" xmlns:p="http://schemas.openxmlformats.org/presentationml/2006/main" showMasterSp="0" showMasterPhAnim="0">
+  <p:cSld>
+    <p:spTree>
+      <p:nvGrpSpPr>
+        <p:cNvPr id="1" name="Shape 77"/>
+        <p:cNvGrpSpPr/>
+        <p:nvPr/>
+      </p:nvGrpSpPr>
+      <p:grpSpPr>
+        <a:xfrm>
+          <a:off x="0" y="0"/>
+          <a:ext cx="0" cy="0"/>
+          <a:chOff x="0" y="0"/>
+          <a:chExt cx="0" cy="0"/>
+        </a:xfrm>
+      </p:grpSpPr>
+      <p:sp>
+        <p:nvSpPr>
+          <p:cNvPr id="78" name="Shape 78"/>
+          <p:cNvSpPr>
+            <a:spLocks noGrp="1" noRot="1" noChangeAspect="1"/>
+          </p:cNvSpPr>
+          <p:nvPr>
+            <p:ph type="sldImg" idx="2"/>
+          </p:nvPr>
+        </p:nvSpPr>
+        <p:spPr>
+          <a:xfrm>
+            <a:off x="1143000" y="685800"/>
+            <a:ext cx="4572000" cy="3429000"/>
+          </a:xfrm>
+          <a:custGeom>
+            <a:avLst/>
+            <a:gdLst/>
+            <a:ahLst/>
+            <a:cxnLst/>
+            <a:rect l="0" t="0" r="0" b="0"/>
+            <a:pathLst>
+              <a:path w="120000" h="120000" extrusionOk="0">
+                <a:moveTo>
+                  <a:pt x="0" y="0"/>
+                </a:moveTo>
+                <a:lnTo>
+                  <a:pt x="120000" y="0"/>
+                </a:lnTo>
+                <a:lnTo>
+                  <a:pt x="120000" y="120000"/>
+                </a:lnTo>
+                <a:lnTo>
+                  <a:pt x="0" y="120000"/>
+                </a:lnTo>
+                <a:close/>
+              </a:path>
+            </a:pathLst>
+          </a:custGeom>
+        </p:spPr>
+      </p:sp>
+      <p:sp>
+        <p:nvSpPr>
+          <p:cNvPr id="79" name="Shape 79"/>
+          <p:cNvSpPr txBox="1">
+            <a:spLocks noGrp="1"/>
+          </p:cNvSpPr>
+          <p:nvPr>
+            <p:ph type="body" idx="1"/>
+          </p:nvPr>
+        </p:nvSpPr>
+        <p:spPr>
+          <a:xfrm>
+            <a:off x="914400" y="4343400"/>
+            <a:ext cx="5029200" cy="4114800"/>
+          </a:xfrm>
+          <a:prstGeom prst="rect">
+            <a:avLst/>
+          </a:prstGeom>
+        </p:spPr>
+        <p:txBody>
+          <a:bodyPr spcFirstLastPara="1" wrap="square" lIns="91425" tIns="91425" rIns="91425" bIns="91425" anchor="t" anchorCtr="0">
+            <a:noAutofit/>
+          </a:bodyPr>
+          <a:lstStyle/>
+          <a:p>
+            <a:pPr marL="0" lvl="0" indent="0" rtl="0">
+              <a:spcBef>
+                <a:spcPts val="0"/>
+              </a:spcBef>
+              <a:spcAft>
+                <a:spcPts val="0"/>
+              </a:spcAft>
+              <a:buNone/>
+            </a:pPr>
+            <a:endParaRPr/>
+          </a:p>
+        </p:txBody>
+      </p:sp>
+      <p:sp>
+        <p:nvSpPr>
+          <p:cNvPr id="80" name="Shape 80"/>
+          <p:cNvSpPr txBox="1">
+            <a:spLocks noGrp="1"/>
+          </p:cNvSpPr>
+          <p:nvPr>
+            <p:ph type="sldNum" idx="12"/>
+          </p:nvPr>
+        </p:nvSpPr>
+        <p:spPr>
+          <a:xfrm>
+            <a:off x="3886200" y="8686800"/>
+            <a:ext cx="2971800" cy="457200"/>
+          </a:xfrm>
+          <a:prstGeom prst="rect">
+            <a:avLst/>
+          </a:prstGeom>
+        </p:spPr>
+        <p:txBody>
+          <a:bodyPr spcFirstLastPara="1" wrap="square" lIns="91425" tIns="45700" rIns="91425" bIns="45700" anchor="b" anchorCtr="0">
+            <a:noAutofit/>
+          </a:bodyPr>
+          <a:lstStyle/>
+          <a:p>
+            <a:pPr marL="0" lvl="0" indent="0" rtl="0">
+              <a:spcBef>
+                <a:spcPts val="0"/>
+              </a:spcBef>
+              <a:spcAft>
+                <a:spcPts val="0"/>
+              </a:spcAft>
+              <a:buNone/>
+            </a:pPr>
+            <a:fld id="{00000000-1234-1234-1234-123412341234}" type="slidenum">
+              <a:rPr lang="en-US"/>
+              <a:t>4</a:t>
+            </a:fld>
+            <a:endParaRPr sz="1400"/>
+          </a:p>
+        </p:txBody>
+      </p:sp>
+    </p:spTree>
+    <p:extLst>
+      <p:ext uri="{BB962C8B-B14F-4D97-AF65-F5344CB8AC3E}">
+        <p14:creationId xmlns:p14="http://schemas.microsoft.com/office/powerpoint/2010/main" val="1210298322"/>
+      </p:ext>
+    </p:extLst>
+  </p:cSld>
+  <p:clrMapOvr>
+    <a:masterClrMapping/>
+  </p:clrMapOvr>
+</p:notes>
+</file>
+
+<file path=ppt/notesSlides/notesSlide3.xml><?xml version="1.0" encoding="utf-8"?>
+<p:notes xmlns:a="http://schemas.openxmlformats.org/drawingml/2006/main" xmlns:r="http://schemas.openxmlformats.org/officeDocument/2006/relationships" xmlns:p="http://schemas.openxmlformats.org/presentationml/2006/main" showMasterSp="0" showMasterPhAnim="0">
+  <p:cSld>
+    <p:spTree>
+      <p:nvGrpSpPr>
+        <p:cNvPr id="1" name="Shape 85"/>
+        <p:cNvGrpSpPr/>
+        <p:nvPr/>
+      </p:nvGrpSpPr>
+      <p:grpSpPr>
+        <a:xfrm>
+          <a:off x="0" y="0"/>
+          <a:ext cx="0" cy="0"/>
+          <a:chOff x="0" y="0"/>
+          <a:chExt cx="0" cy="0"/>
+        </a:xfrm>
+      </p:grpSpPr>
+      <p:sp>
+        <p:nvSpPr>
+          <p:cNvPr id="86" name="Shape 86"/>
+          <p:cNvSpPr>
+            <a:spLocks noGrp="1" noRot="1" noChangeAspect="1"/>
+          </p:cNvSpPr>
+          <p:nvPr>
+            <p:ph type="sldImg" idx="2"/>
+          </p:nvPr>
+        </p:nvSpPr>
+        <p:spPr>
+          <a:xfrm>
+            <a:off x="1143000" y="685800"/>
+            <a:ext cx="4572000" cy="3429000"/>
+          </a:xfrm>
+          <a:custGeom>
+            <a:avLst/>
+            <a:gdLst/>
+            <a:ahLst/>
+            <a:cxnLst/>
+            <a:rect l="0" t="0" r="0" b="0"/>
+            <a:pathLst>
+              <a:path w="120000" h="120000" extrusionOk="0">
+                <a:moveTo>
+                  <a:pt x="0" y="0"/>
+                </a:moveTo>
+                <a:lnTo>
+                  <a:pt x="120000" y="0"/>
+                </a:lnTo>
+                <a:lnTo>
+                  <a:pt x="120000" y="120000"/>
+                </a:lnTo>
+                <a:lnTo>
+                  <a:pt x="0" y="120000"/>
+                </a:lnTo>
+                <a:close/>
+              </a:path>
+            </a:pathLst>
+          </a:custGeom>
+        </p:spPr>
+      </p:sp>
+      <p:sp>
+        <p:nvSpPr>
+          <p:cNvPr id="87" name="Shape 87"/>
+          <p:cNvSpPr txBox="1">
+            <a:spLocks noGrp="1"/>
+          </p:cNvSpPr>
+          <p:nvPr>
+            <p:ph type="body" idx="1"/>
+          </p:nvPr>
+        </p:nvSpPr>
+        <p:spPr>
+          <a:xfrm>
+            <a:off x="914400" y="4343400"/>
+            <a:ext cx="5029200" cy="4114800"/>
+          </a:xfrm>
+          <a:prstGeom prst="rect">
+            <a:avLst/>
+          </a:prstGeom>
+        </p:spPr>
+        <p:txBody>
+          <a:bodyPr spcFirstLastPara="1" wrap="square" lIns="91425" tIns="91425" rIns="91425" bIns="91425" anchor="t" anchorCtr="0">
+            <a:noAutofit/>
+          </a:bodyPr>
+          <a:lstStyle/>
+          <a:p>
+            <a:pPr marL="0" lvl="0" indent="0" rtl="0">
+              <a:spcBef>
+                <a:spcPts val="0"/>
+              </a:spcBef>
+              <a:spcAft>
+                <a:spcPts val="0"/>
+              </a:spcAft>
+              <a:buNone/>
+            </a:pPr>
+            <a:endParaRPr/>
+          </a:p>
+        </p:txBody>
+      </p:sp>
+      <p:sp>
+        <p:nvSpPr>
+          <p:cNvPr id="88" name="Shape 88"/>
+          <p:cNvSpPr txBox="1">
+            <a:spLocks noGrp="1"/>
+          </p:cNvSpPr>
+          <p:nvPr>
+            <p:ph type="sldNum" idx="12"/>
+          </p:nvPr>
+        </p:nvSpPr>
+        <p:spPr>
+          <a:xfrm>
+            <a:off x="3886200" y="8686800"/>
+            <a:ext cx="2971800" cy="457200"/>
+          </a:xfrm>
+          <a:prstGeom prst="rect">
+            <a:avLst/>
+          </a:prstGeom>
+        </p:spPr>
+        <p:txBody>
+          <a:bodyPr spcFirstLastPara="1" wrap="square" lIns="91425" tIns="45700" rIns="91425" bIns="45700" anchor="b" anchorCtr="0">
+            <a:noAutofit/>
+          </a:bodyPr>
+          <a:lstStyle/>
+          <a:p>
+            <a:pPr marL="0" lvl="0" indent="0" rtl="0">
+              <a:spcBef>
+                <a:spcPts val="0"/>
+              </a:spcBef>
+              <a:spcAft>
+                <a:spcPts val="0"/>
+              </a:spcAft>
+              <a:buNone/>
+            </a:pPr>
+            <a:fld id="{00000000-1234-1234-1234-123412341234}" type="slidenum">
+              <a:rPr lang="en-US"/>
+              <a:t>5</a:t>
+            </a:fld>
+            <a:endParaRPr sz="1400"/>
+          </a:p>
+        </p:txBody>
+      </p:sp>
+    </p:spTree>
+    <p:extLst>
+      <p:ext uri="{BB962C8B-B14F-4D97-AF65-F5344CB8AC3E}">
+        <p14:creationId xmlns:p14="http://schemas.microsoft.com/office/powerpoint/2010/main" val="578243470"/>
+      </p:ext>
+    </p:extLst>
+  </p:cSld>
+  <p:clrMapOvr>
+    <a:masterClrMapping/>
+  </p:clrMapOvr>
+</p:notes>
+</file>
+
+<file path=ppt/notesSlides/notesSlide4.xml><?xml version="1.0" encoding="utf-8"?>
+<p:notes xmlns:a="http://schemas.openxmlformats.org/drawingml/2006/main" xmlns:r="http://schemas.openxmlformats.org/officeDocument/2006/relationships" xmlns:p="http://schemas.openxmlformats.org/presentationml/2006/main" showMasterSp="0" showMasterPhAnim="0">
+  <p:cSld>
+    <p:spTree>
+      <p:nvGrpSpPr>
+        <p:cNvPr id="1" name="Shape 93"/>
+        <p:cNvGrpSpPr/>
+        <p:nvPr/>
+      </p:nvGrpSpPr>
+      <p:grpSpPr>
+        <a:xfrm>
+          <a:off x="0" y="0"/>
+          <a:ext cx="0" cy="0"/>
+          <a:chOff x="0" y="0"/>
+          <a:chExt cx="0" cy="0"/>
+        </a:xfrm>
+      </p:grpSpPr>
+      <p:sp>
+        <p:nvSpPr>
+          <p:cNvPr id="94" name="Shape 94"/>
+          <p:cNvSpPr>
+            <a:spLocks noGrp="1" noRot="1" noChangeAspect="1"/>
+          </p:cNvSpPr>
+          <p:nvPr>
+            <p:ph type="sldImg" idx="2"/>
+          </p:nvPr>
+        </p:nvSpPr>
+        <p:spPr>
+          <a:xfrm>
+            <a:off x="1143000" y="685800"/>
+            <a:ext cx="4572000" cy="3429000"/>
+          </a:xfrm>
+          <a:custGeom>
+            <a:avLst/>
+            <a:gdLst/>
+            <a:ahLst/>
+            <a:cxnLst/>
+            <a:rect l="0" t="0" r="0" b="0"/>
+            <a:pathLst>
+              <a:path w="120000" h="120000" extrusionOk="0">
+                <a:moveTo>
+                  <a:pt x="0" y="0"/>
+                </a:moveTo>
+                <a:lnTo>
+                  <a:pt x="120000" y="0"/>
+                </a:lnTo>
+                <a:lnTo>
+                  <a:pt x="120000" y="120000"/>
+                </a:lnTo>
+                <a:lnTo>
+                  <a:pt x="0" y="120000"/>
+                </a:lnTo>
+                <a:close/>
+              </a:path>
+            </a:pathLst>
+          </a:custGeom>
+        </p:spPr>
+      </p:sp>
+      <p:sp>
+        <p:nvSpPr>
+          <p:cNvPr id="95" name="Shape 95"/>
+          <p:cNvSpPr txBox="1">
+            <a:spLocks noGrp="1"/>
+          </p:cNvSpPr>
+          <p:nvPr>
+            <p:ph type="body" idx="1"/>
+          </p:nvPr>
+        </p:nvSpPr>
+        <p:spPr>
+          <a:xfrm>
+            <a:off x="914400" y="4343400"/>
+            <a:ext cx="5029200" cy="4114800"/>
+          </a:xfrm>
+          <a:prstGeom prst="rect">
+            <a:avLst/>
+          </a:prstGeom>
+        </p:spPr>
+        <p:txBody>
+          <a:bodyPr spcFirstLastPara="1" wrap="square" lIns="91425" tIns="91425" rIns="91425" bIns="91425" anchor="t" anchorCtr="0">
+            <a:noAutofit/>
+          </a:bodyPr>
+          <a:lstStyle/>
+          <a:p>
+            <a:pPr marL="0" lvl="0" indent="0">
+              <a:spcBef>
+                <a:spcPts val="0"/>
+              </a:spcBef>
+              <a:spcAft>
+                <a:spcPts val="0"/>
+              </a:spcAft>
+              <a:buNone/>
+            </a:pPr>
+            <a:endParaRPr/>
+          </a:p>
+        </p:txBody>
+      </p:sp>
+      <p:sp>
+        <p:nvSpPr>
+          <p:cNvPr id="96" name="Shape 96"/>
+          <p:cNvSpPr txBox="1">
+            <a:spLocks noGrp="1"/>
+          </p:cNvSpPr>
+          <p:nvPr>
+            <p:ph type="sldNum" idx="12"/>
+          </p:nvPr>
+        </p:nvSpPr>
+        <p:spPr>
+          <a:xfrm>
+            <a:off x="3886200" y="8686800"/>
+            <a:ext cx="2971800" cy="457200"/>
+          </a:xfrm>
+          <a:prstGeom prst="rect">
+            <a:avLst/>
+          </a:prstGeom>
+        </p:spPr>
+        <p:txBody>
+          <a:bodyPr spcFirstLastPara="1" wrap="square" lIns="91425" tIns="45700" rIns="91425" bIns="45700" anchor="b" anchorCtr="0">
+            <a:noAutofit/>
+          </a:bodyPr>
+          <a:lstStyle/>
+          <a:p>
+            <a:pPr marL="0" lvl="0" indent="0">
+              <a:spcBef>
+                <a:spcPts val="0"/>
+              </a:spcBef>
+              <a:spcAft>
+                <a:spcPts val="0"/>
+              </a:spcAft>
+              <a:buClr>
+                <a:srgbClr val="000000"/>
+              </a:buClr>
+              <a:buFont typeface="Arial"/>
+              <a:buNone/>
+            </a:pPr>
+            <a:fld id="{00000000-1234-1234-1234-123412341234}" type="slidenum">
+              <a:rPr lang="en-US"/>
+              <a:t>6</a:t>
+            </a:fld>
+            <a:endParaRPr sz="1400"/>
+          </a:p>
+        </p:txBody>
+      </p:sp>
+    </p:spTree>
+  </p:cSld>
+  <p:clrMapOvr>
+    <a:masterClrMapping/>
+  </p:clrMapOvr>
+</p:notes>
+</file>
+
+<file path=ppt/notesSlides/notesSlide5.xml><?xml version="1.0" encoding="utf-8"?>
+<p:notes xmlns:a="http://schemas.openxmlformats.org/drawingml/2006/main" xmlns:r="http://schemas.openxmlformats.org/officeDocument/2006/relationships" xmlns:p="http://schemas.openxmlformats.org/presentationml/2006/main" showMasterSp="0" showMasterPhAnim="0">
+  <p:cSld>
+    <p:spTree>
+      <p:nvGrpSpPr>
+        <p:cNvPr id="1" name="Shape 100"/>
+        <p:cNvGrpSpPr/>
+        <p:nvPr/>
+      </p:nvGrpSpPr>
+      <p:grpSpPr>
+        <a:xfrm>
+          <a:off x="0" y="0"/>
+          <a:ext cx="0" cy="0"/>
+          <a:chOff x="0" y="0"/>
+          <a:chExt cx="0" cy="0"/>
+        </a:xfrm>
+      </p:grpSpPr>
+      <p:sp>
+        <p:nvSpPr>
+          <p:cNvPr id="101" name="Shape 101"/>
           <p:cNvSpPr>
             <a:spLocks noGrp="1" noRot="1" noChangeAspect="1"/>
           </p:cNvSpPr>
@@ -3301,7 +2841,7 @@
       </p:sp>
       <p:sp>
         <p:nvSpPr>
-          <p:cNvPr id="116" name="Shape 116"/>
+          <p:cNvPr id="102" name="Shape 102"/>
           <p:cNvSpPr txBox="1">
             <a:spLocks noGrp="1"/>
           </p:cNvSpPr>
@@ -3350,6 +2890,622 @@
         </p:txBody>
       </p:sp>
     </p:spTree>
+  </p:cSld>
+  <p:clrMapOvr>
+    <a:masterClrMapping/>
+  </p:clrMapOvr>
+</p:notes>
+</file>
+
+<file path=ppt/notesSlides/notesSlide6.xml><?xml version="1.0" encoding="utf-8"?>
+<p:notes xmlns:a="http://schemas.openxmlformats.org/drawingml/2006/main" xmlns:r="http://schemas.openxmlformats.org/officeDocument/2006/relationships" xmlns:p="http://schemas.openxmlformats.org/presentationml/2006/main" showMasterSp="0" showMasterPhAnim="0">
+  <p:cSld>
+    <p:spTree>
+      <p:nvGrpSpPr>
+        <p:cNvPr id="1" name="Shape 120"/>
+        <p:cNvGrpSpPr/>
+        <p:nvPr/>
+      </p:nvGrpSpPr>
+      <p:grpSpPr>
+        <a:xfrm>
+          <a:off x="0" y="0"/>
+          <a:ext cx="0" cy="0"/>
+          <a:chOff x="0" y="0"/>
+          <a:chExt cx="0" cy="0"/>
+        </a:xfrm>
+      </p:grpSpPr>
+      <p:sp>
+        <p:nvSpPr>
+          <p:cNvPr id="121" name="Shape 121"/>
+          <p:cNvSpPr>
+            <a:spLocks noGrp="1" noRot="1" noChangeAspect="1"/>
+          </p:cNvSpPr>
+          <p:nvPr>
+            <p:ph type="sldImg" idx="2"/>
+          </p:nvPr>
+        </p:nvSpPr>
+        <p:spPr>
+          <a:xfrm>
+            <a:off x="1143000" y="685800"/>
+            <a:ext cx="4572000" cy="3429000"/>
+          </a:xfrm>
+          <a:custGeom>
+            <a:avLst/>
+            <a:gdLst/>
+            <a:ahLst/>
+            <a:cxnLst/>
+            <a:rect l="0" t="0" r="0" b="0"/>
+            <a:pathLst>
+              <a:path w="120000" h="120000" extrusionOk="0">
+                <a:moveTo>
+                  <a:pt x="0" y="0"/>
+                </a:moveTo>
+                <a:lnTo>
+                  <a:pt x="120000" y="0"/>
+                </a:lnTo>
+                <a:lnTo>
+                  <a:pt x="120000" y="120000"/>
+                </a:lnTo>
+                <a:lnTo>
+                  <a:pt x="0" y="120000"/>
+                </a:lnTo>
+                <a:close/>
+              </a:path>
+            </a:pathLst>
+          </a:custGeom>
+        </p:spPr>
+      </p:sp>
+      <p:sp>
+        <p:nvSpPr>
+          <p:cNvPr id="122" name="Shape 122"/>
+          <p:cNvSpPr txBox="1">
+            <a:spLocks noGrp="1"/>
+          </p:cNvSpPr>
+          <p:nvPr>
+            <p:ph type="body" idx="1"/>
+          </p:nvPr>
+        </p:nvSpPr>
+        <p:spPr>
+          <a:xfrm>
+            <a:off x="914400" y="4343400"/>
+            <a:ext cx="5029200" cy="4114800"/>
+          </a:xfrm>
+          <a:prstGeom prst="rect">
+            <a:avLst/>
+          </a:prstGeom>
+        </p:spPr>
+        <p:txBody>
+          <a:bodyPr spcFirstLastPara="1" wrap="square" lIns="91425" tIns="91425" rIns="91425" bIns="91425" anchor="t" anchorCtr="0">
+            <a:noAutofit/>
+          </a:bodyPr>
+          <a:lstStyle/>
+          <a:p>
+            <a:pPr marL="0" lvl="0" indent="0">
+              <a:spcBef>
+                <a:spcPts val="0"/>
+              </a:spcBef>
+              <a:spcAft>
+                <a:spcPts val="0"/>
+              </a:spcAft>
+              <a:buNone/>
+            </a:pPr>
+            <a:endParaRPr/>
+          </a:p>
+        </p:txBody>
+      </p:sp>
+      <p:sp>
+        <p:nvSpPr>
+          <p:cNvPr id="123" name="Shape 123"/>
+          <p:cNvSpPr txBox="1">
+            <a:spLocks noGrp="1"/>
+          </p:cNvSpPr>
+          <p:nvPr>
+            <p:ph type="sldNum" idx="12"/>
+          </p:nvPr>
+        </p:nvSpPr>
+        <p:spPr>
+          <a:xfrm>
+            <a:off x="3886200" y="8686800"/>
+            <a:ext cx="2971800" cy="457200"/>
+          </a:xfrm>
+          <a:prstGeom prst="rect">
+            <a:avLst/>
+          </a:prstGeom>
+        </p:spPr>
+        <p:txBody>
+          <a:bodyPr spcFirstLastPara="1" wrap="square" lIns="91425" tIns="45700" rIns="91425" bIns="45700" anchor="b" anchorCtr="0">
+            <a:noAutofit/>
+          </a:bodyPr>
+          <a:lstStyle/>
+          <a:p>
+            <a:pPr marL="0" lvl="0" indent="0">
+              <a:spcBef>
+                <a:spcPts val="0"/>
+              </a:spcBef>
+              <a:spcAft>
+                <a:spcPts val="0"/>
+              </a:spcAft>
+              <a:buClr>
+                <a:srgbClr val="000000"/>
+              </a:buClr>
+              <a:buFont typeface="Arial"/>
+              <a:buNone/>
+            </a:pPr>
+            <a:fld id="{00000000-1234-1234-1234-123412341234}" type="slidenum">
+              <a:rPr lang="en-US"/>
+              <a:t>10</a:t>
+            </a:fld>
+            <a:endParaRPr sz="1400"/>
+          </a:p>
+        </p:txBody>
+      </p:sp>
+    </p:spTree>
+    <p:extLst>
+      <p:ext uri="{BB962C8B-B14F-4D97-AF65-F5344CB8AC3E}">
+        <p14:creationId xmlns:p14="http://schemas.microsoft.com/office/powerpoint/2010/main" val="362325300"/>
+      </p:ext>
+    </p:extLst>
+  </p:cSld>
+  <p:clrMapOvr>
+    <a:masterClrMapping/>
+  </p:clrMapOvr>
+</p:notes>
+</file>
+
+<file path=ppt/notesSlides/notesSlide7.xml><?xml version="1.0" encoding="utf-8"?>
+<p:notes xmlns:a="http://schemas.openxmlformats.org/drawingml/2006/main" xmlns:r="http://schemas.openxmlformats.org/officeDocument/2006/relationships" xmlns:p="http://schemas.openxmlformats.org/presentationml/2006/main" showMasterSp="0" showMasterPhAnim="0">
+  <p:cSld>
+    <p:spTree>
+      <p:nvGrpSpPr>
+        <p:cNvPr id="1" name="Shape 129"/>
+        <p:cNvGrpSpPr/>
+        <p:nvPr/>
+      </p:nvGrpSpPr>
+      <p:grpSpPr>
+        <a:xfrm>
+          <a:off x="0" y="0"/>
+          <a:ext cx="0" cy="0"/>
+          <a:chOff x="0" y="0"/>
+          <a:chExt cx="0" cy="0"/>
+        </a:xfrm>
+      </p:grpSpPr>
+      <p:sp>
+        <p:nvSpPr>
+          <p:cNvPr id="130" name="Shape 130"/>
+          <p:cNvSpPr>
+            <a:spLocks noGrp="1" noRot="1" noChangeAspect="1"/>
+          </p:cNvSpPr>
+          <p:nvPr>
+            <p:ph type="sldImg" idx="2"/>
+          </p:nvPr>
+        </p:nvSpPr>
+        <p:spPr>
+          <a:xfrm>
+            <a:off x="1143000" y="685800"/>
+            <a:ext cx="4572000" cy="3429000"/>
+          </a:xfrm>
+          <a:custGeom>
+            <a:avLst/>
+            <a:gdLst/>
+            <a:ahLst/>
+            <a:cxnLst/>
+            <a:rect l="0" t="0" r="0" b="0"/>
+            <a:pathLst>
+              <a:path w="120000" h="120000" extrusionOk="0">
+                <a:moveTo>
+                  <a:pt x="0" y="0"/>
+                </a:moveTo>
+                <a:lnTo>
+                  <a:pt x="120000" y="0"/>
+                </a:lnTo>
+                <a:lnTo>
+                  <a:pt x="120000" y="120000"/>
+                </a:lnTo>
+                <a:lnTo>
+                  <a:pt x="0" y="120000"/>
+                </a:lnTo>
+                <a:close/>
+              </a:path>
+            </a:pathLst>
+          </a:custGeom>
+        </p:spPr>
+      </p:sp>
+      <p:sp>
+        <p:nvSpPr>
+          <p:cNvPr id="131" name="Shape 131"/>
+          <p:cNvSpPr txBox="1">
+            <a:spLocks noGrp="1"/>
+          </p:cNvSpPr>
+          <p:nvPr>
+            <p:ph type="body" idx="1"/>
+          </p:nvPr>
+        </p:nvSpPr>
+        <p:spPr>
+          <a:xfrm>
+            <a:off x="914400" y="4343400"/>
+            <a:ext cx="5029200" cy="4114800"/>
+          </a:xfrm>
+          <a:prstGeom prst="rect">
+            <a:avLst/>
+          </a:prstGeom>
+        </p:spPr>
+        <p:txBody>
+          <a:bodyPr spcFirstLastPara="1" wrap="square" lIns="91425" tIns="91425" rIns="91425" bIns="91425" anchor="t" anchorCtr="0">
+            <a:noAutofit/>
+          </a:bodyPr>
+          <a:lstStyle/>
+          <a:p>
+            <a:pPr marL="0" lvl="0" indent="0">
+              <a:spcBef>
+                <a:spcPts val="0"/>
+              </a:spcBef>
+              <a:spcAft>
+                <a:spcPts val="0"/>
+              </a:spcAft>
+              <a:buNone/>
+            </a:pPr>
+            <a:endParaRPr/>
+          </a:p>
+        </p:txBody>
+      </p:sp>
+      <p:sp>
+        <p:nvSpPr>
+          <p:cNvPr id="132" name="Shape 132"/>
+          <p:cNvSpPr txBox="1">
+            <a:spLocks noGrp="1"/>
+          </p:cNvSpPr>
+          <p:nvPr>
+            <p:ph type="sldNum" idx="12"/>
+          </p:nvPr>
+        </p:nvSpPr>
+        <p:spPr>
+          <a:xfrm>
+            <a:off x="3886200" y="8686800"/>
+            <a:ext cx="2971800" cy="457200"/>
+          </a:xfrm>
+          <a:prstGeom prst="rect">
+            <a:avLst/>
+          </a:prstGeom>
+        </p:spPr>
+        <p:txBody>
+          <a:bodyPr spcFirstLastPara="1" wrap="square" lIns="91425" tIns="45700" rIns="91425" bIns="45700" anchor="b" anchorCtr="0">
+            <a:noAutofit/>
+          </a:bodyPr>
+          <a:lstStyle/>
+          <a:p>
+            <a:pPr marL="0" lvl="0" indent="0">
+              <a:spcBef>
+                <a:spcPts val="0"/>
+              </a:spcBef>
+              <a:spcAft>
+                <a:spcPts val="0"/>
+              </a:spcAft>
+              <a:buClr>
+                <a:srgbClr val="000000"/>
+              </a:buClr>
+              <a:buFont typeface="Arial"/>
+              <a:buNone/>
+            </a:pPr>
+            <a:fld id="{00000000-1234-1234-1234-123412341234}" type="slidenum">
+              <a:rPr lang="en-US"/>
+              <a:t>12</a:t>
+            </a:fld>
+            <a:endParaRPr sz="1400"/>
+          </a:p>
+        </p:txBody>
+      </p:sp>
+    </p:spTree>
+    <p:extLst>
+      <p:ext uri="{BB962C8B-B14F-4D97-AF65-F5344CB8AC3E}">
+        <p14:creationId xmlns:p14="http://schemas.microsoft.com/office/powerpoint/2010/main" val="1181779904"/>
+      </p:ext>
+    </p:extLst>
+  </p:cSld>
+  <p:clrMapOvr>
+    <a:masterClrMapping/>
+  </p:clrMapOvr>
+</p:notes>
+</file>
+
+<file path=ppt/notesSlides/notesSlide8.xml><?xml version="1.0" encoding="utf-8"?>
+<p:notes xmlns:a="http://schemas.openxmlformats.org/drawingml/2006/main" xmlns:r="http://schemas.openxmlformats.org/officeDocument/2006/relationships" xmlns:p="http://schemas.openxmlformats.org/presentationml/2006/main" showMasterSp="0" showMasterPhAnim="0">
+  <p:cSld>
+    <p:spTree>
+      <p:nvGrpSpPr>
+        <p:cNvPr id="1" name="Shape 139"/>
+        <p:cNvGrpSpPr/>
+        <p:nvPr/>
+      </p:nvGrpSpPr>
+      <p:grpSpPr>
+        <a:xfrm>
+          <a:off x="0" y="0"/>
+          <a:ext cx="0" cy="0"/>
+          <a:chOff x="0" y="0"/>
+          <a:chExt cx="0" cy="0"/>
+        </a:xfrm>
+      </p:grpSpPr>
+      <p:sp>
+        <p:nvSpPr>
+          <p:cNvPr id="140" name="Shape 140"/>
+          <p:cNvSpPr>
+            <a:spLocks noGrp="1" noRot="1" noChangeAspect="1"/>
+          </p:cNvSpPr>
+          <p:nvPr>
+            <p:ph type="sldImg" idx="2"/>
+          </p:nvPr>
+        </p:nvSpPr>
+        <p:spPr>
+          <a:xfrm>
+            <a:off x="1143000" y="685800"/>
+            <a:ext cx="4572000" cy="3429000"/>
+          </a:xfrm>
+          <a:custGeom>
+            <a:avLst/>
+            <a:gdLst/>
+            <a:ahLst/>
+            <a:cxnLst/>
+            <a:rect l="0" t="0" r="0" b="0"/>
+            <a:pathLst>
+              <a:path w="120000" h="120000" extrusionOk="0">
+                <a:moveTo>
+                  <a:pt x="0" y="0"/>
+                </a:moveTo>
+                <a:lnTo>
+                  <a:pt x="120000" y="0"/>
+                </a:lnTo>
+                <a:lnTo>
+                  <a:pt x="120000" y="120000"/>
+                </a:lnTo>
+                <a:lnTo>
+                  <a:pt x="0" y="120000"/>
+                </a:lnTo>
+                <a:close/>
+              </a:path>
+            </a:pathLst>
+          </a:custGeom>
+        </p:spPr>
+      </p:sp>
+      <p:sp>
+        <p:nvSpPr>
+          <p:cNvPr id="141" name="Shape 141"/>
+          <p:cNvSpPr txBox="1">
+            <a:spLocks noGrp="1"/>
+          </p:cNvSpPr>
+          <p:nvPr>
+            <p:ph type="body" idx="1"/>
+          </p:nvPr>
+        </p:nvSpPr>
+        <p:spPr>
+          <a:xfrm>
+            <a:off x="914400" y="4343400"/>
+            <a:ext cx="5029200" cy="4114800"/>
+          </a:xfrm>
+          <a:prstGeom prst="rect">
+            <a:avLst/>
+          </a:prstGeom>
+        </p:spPr>
+        <p:txBody>
+          <a:bodyPr spcFirstLastPara="1" wrap="square" lIns="91425" tIns="91425" rIns="91425" bIns="91425" anchor="t" anchorCtr="0">
+            <a:noAutofit/>
+          </a:bodyPr>
+          <a:lstStyle/>
+          <a:p>
+            <a:pPr marL="0" lvl="0" indent="0" rtl="0">
+              <a:spcBef>
+                <a:spcPts val="0"/>
+              </a:spcBef>
+              <a:spcAft>
+                <a:spcPts val="0"/>
+              </a:spcAft>
+              <a:buNone/>
+            </a:pPr>
+            <a:endParaRPr/>
+          </a:p>
+        </p:txBody>
+      </p:sp>
+      <p:sp>
+        <p:nvSpPr>
+          <p:cNvPr id="142" name="Shape 142"/>
+          <p:cNvSpPr txBox="1">
+            <a:spLocks noGrp="1"/>
+          </p:cNvSpPr>
+          <p:nvPr>
+            <p:ph type="sldNum" idx="12"/>
+          </p:nvPr>
+        </p:nvSpPr>
+        <p:spPr>
+          <a:xfrm>
+            <a:off x="3886200" y="8686800"/>
+            <a:ext cx="2971800" cy="457200"/>
+          </a:xfrm>
+          <a:prstGeom prst="rect">
+            <a:avLst/>
+          </a:prstGeom>
+        </p:spPr>
+        <p:txBody>
+          <a:bodyPr spcFirstLastPara="1" wrap="square" lIns="91425" tIns="45700" rIns="91425" bIns="45700" anchor="b" anchorCtr="0">
+            <a:noAutofit/>
+          </a:bodyPr>
+          <a:lstStyle/>
+          <a:p>
+            <a:pPr marL="0" lvl="0" indent="0" rtl="0">
+              <a:spcBef>
+                <a:spcPts val="0"/>
+              </a:spcBef>
+              <a:spcAft>
+                <a:spcPts val="0"/>
+              </a:spcAft>
+              <a:buNone/>
+            </a:pPr>
+            <a:fld id="{00000000-1234-1234-1234-123412341234}" type="slidenum">
+              <a:rPr lang="en-US"/>
+              <a:t>13</a:t>
+            </a:fld>
+            <a:endParaRPr sz="1400"/>
+          </a:p>
+        </p:txBody>
+      </p:sp>
+    </p:spTree>
+    <p:extLst>
+      <p:ext uri="{BB962C8B-B14F-4D97-AF65-F5344CB8AC3E}">
+        <p14:creationId xmlns:p14="http://schemas.microsoft.com/office/powerpoint/2010/main" val="1383416138"/>
+      </p:ext>
+    </p:extLst>
+  </p:cSld>
+  <p:clrMapOvr>
+    <a:masterClrMapping/>
+  </p:clrMapOvr>
+</p:notes>
+</file>
+
+<file path=ppt/notesSlides/notesSlide9.xml><?xml version="1.0" encoding="utf-8"?>
+<p:notes xmlns:a="http://schemas.openxmlformats.org/drawingml/2006/main" xmlns:r="http://schemas.openxmlformats.org/officeDocument/2006/relationships" xmlns:p="http://schemas.openxmlformats.org/presentationml/2006/main" showMasterSp="0" showMasterPhAnim="0">
+  <p:cSld>
+    <p:spTree>
+      <p:nvGrpSpPr>
+        <p:cNvPr id="1" name="Shape 147"/>
+        <p:cNvGrpSpPr/>
+        <p:nvPr/>
+      </p:nvGrpSpPr>
+      <p:grpSpPr>
+        <a:xfrm>
+          <a:off x="0" y="0"/>
+          <a:ext cx="0" cy="0"/>
+          <a:chOff x="0" y="0"/>
+          <a:chExt cx="0" cy="0"/>
+        </a:xfrm>
+      </p:grpSpPr>
+      <p:sp>
+        <p:nvSpPr>
+          <p:cNvPr id="148" name="Shape 148"/>
+          <p:cNvSpPr>
+            <a:spLocks noGrp="1" noRot="1" noChangeAspect="1"/>
+          </p:cNvSpPr>
+          <p:nvPr>
+            <p:ph type="sldImg" idx="2"/>
+          </p:nvPr>
+        </p:nvSpPr>
+        <p:spPr>
+          <a:xfrm>
+            <a:off x="1143000" y="685800"/>
+            <a:ext cx="4572000" cy="3429000"/>
+          </a:xfrm>
+          <a:custGeom>
+            <a:avLst/>
+            <a:gdLst/>
+            <a:ahLst/>
+            <a:cxnLst/>
+            <a:rect l="0" t="0" r="0" b="0"/>
+            <a:pathLst>
+              <a:path w="120000" h="120000" extrusionOk="0">
+                <a:moveTo>
+                  <a:pt x="0" y="0"/>
+                </a:moveTo>
+                <a:lnTo>
+                  <a:pt x="120000" y="0"/>
+                </a:lnTo>
+                <a:lnTo>
+                  <a:pt x="120000" y="120000"/>
+                </a:lnTo>
+                <a:lnTo>
+                  <a:pt x="0" y="120000"/>
+                </a:lnTo>
+                <a:close/>
+              </a:path>
+            </a:pathLst>
+          </a:custGeom>
+        </p:spPr>
+      </p:sp>
+      <p:sp>
+        <p:nvSpPr>
+          <p:cNvPr id="149" name="Shape 149"/>
+          <p:cNvSpPr txBox="1">
+            <a:spLocks noGrp="1"/>
+          </p:cNvSpPr>
+          <p:nvPr>
+            <p:ph type="body" idx="1"/>
+          </p:nvPr>
+        </p:nvSpPr>
+        <p:spPr>
+          <a:xfrm>
+            <a:off x="914400" y="4343400"/>
+            <a:ext cx="5029200" cy="4114800"/>
+          </a:xfrm>
+          <a:prstGeom prst="rect">
+            <a:avLst/>
+          </a:prstGeom>
+        </p:spPr>
+        <p:txBody>
+          <a:bodyPr spcFirstLastPara="1" wrap="square" lIns="91425" tIns="91425" rIns="91425" bIns="91425" anchor="t" anchorCtr="0">
+            <a:noAutofit/>
+          </a:bodyPr>
+          <a:lstStyle/>
+          <a:p>
+            <a:pPr marL="0" lvl="0" indent="0">
+              <a:spcBef>
+                <a:spcPts val="0"/>
+              </a:spcBef>
+              <a:spcAft>
+                <a:spcPts val="0"/>
+              </a:spcAft>
+              <a:buNone/>
+            </a:pPr>
+            <a:endParaRPr/>
+          </a:p>
+        </p:txBody>
+      </p:sp>
+      <p:sp>
+        <p:nvSpPr>
+          <p:cNvPr id="150" name="Shape 150"/>
+          <p:cNvSpPr txBox="1">
+            <a:spLocks noGrp="1"/>
+          </p:cNvSpPr>
+          <p:nvPr>
+            <p:ph type="sldNum" idx="12"/>
+          </p:nvPr>
+        </p:nvSpPr>
+        <p:spPr>
+          <a:xfrm>
+            <a:off x="3886200" y="8686800"/>
+            <a:ext cx="2971800" cy="457200"/>
+          </a:xfrm>
+          <a:prstGeom prst="rect">
+            <a:avLst/>
+          </a:prstGeom>
+        </p:spPr>
+        <p:txBody>
+          <a:bodyPr spcFirstLastPara="1" wrap="square" lIns="91425" tIns="45700" rIns="91425" bIns="45700" anchor="b" anchorCtr="0">
+            <a:noAutofit/>
+          </a:bodyPr>
+          <a:lstStyle/>
+          <a:p>
+            <a:pPr marL="0" lvl="0" indent="0">
+              <a:spcBef>
+                <a:spcPts val="0"/>
+              </a:spcBef>
+              <a:spcAft>
+                <a:spcPts val="0"/>
+              </a:spcAft>
+              <a:buClr>
+                <a:srgbClr val="000000"/>
+              </a:buClr>
+              <a:buFont typeface="Arial"/>
+              <a:buNone/>
+            </a:pPr>
+            <a:fld id="{00000000-1234-1234-1234-123412341234}" type="slidenum">
+              <a:rPr lang="en-US"/>
+              <a:t>14</a:t>
+            </a:fld>
+            <a:endParaRPr sz="1400"/>
+          </a:p>
+        </p:txBody>
+      </p:sp>
+    </p:spTree>
+    <p:extLst>
+      <p:ext uri="{BB962C8B-B14F-4D97-AF65-F5344CB8AC3E}">
+        <p14:creationId xmlns:p14="http://schemas.microsoft.com/office/powerpoint/2010/main" val="1768606478"/>
+      </p:ext>
+    </p:extLst>
   </p:cSld>
   <p:clrMapOvr>
     <a:masterClrMapping/>
@@ -12191,6 +12347,321 @@
   <p:cSld>
     <p:spTree>
       <p:nvGrpSpPr>
+        <p:cNvPr id="1" name="Shape 151"/>
+        <p:cNvGrpSpPr/>
+        <p:nvPr/>
+      </p:nvGrpSpPr>
+      <p:grpSpPr>
+        <a:xfrm>
+          <a:off x="0" y="0"/>
+          <a:ext cx="0" cy="0"/>
+          <a:chOff x="0" y="0"/>
+          <a:chExt cx="0" cy="0"/>
+        </a:xfrm>
+      </p:grpSpPr>
+      <p:sp>
+        <p:nvSpPr>
+          <p:cNvPr id="152" name="Shape 152"/>
+          <p:cNvSpPr txBox="1">
+            <a:spLocks noGrp="1"/>
+          </p:cNvSpPr>
+          <p:nvPr>
+            <p:ph type="title"/>
+          </p:nvPr>
+        </p:nvSpPr>
+        <p:spPr>
+          <a:xfrm>
+            <a:off x="311700" y="593367"/>
+            <a:ext cx="8520600" cy="763500"/>
+          </a:xfrm>
+          <a:prstGeom prst="rect">
+            <a:avLst/>
+          </a:prstGeom>
+        </p:spPr>
+        <p:txBody>
+          <a:bodyPr spcFirstLastPara="1" wrap="square" lIns="91425" tIns="91425" rIns="91425" bIns="91425" anchor="t" anchorCtr="0">
+            <a:noAutofit/>
+          </a:bodyPr>
+          <a:lstStyle/>
+          <a:p>
+            <a:pPr marL="0" lvl="0" indent="0">
+              <a:spcBef>
+                <a:spcPts val="0"/>
+              </a:spcBef>
+              <a:spcAft>
+                <a:spcPts val="0"/>
+              </a:spcAft>
+              <a:buNone/>
+            </a:pPr>
+            <a:r>
+              <a:rPr lang="en-US"/>
+              <a:t>k-Means: non-linear boundaries</a:t>
+            </a:r>
+            <a:endParaRPr/>
+          </a:p>
+        </p:txBody>
+      </p:sp>
+      <p:sp>
+        <p:nvSpPr>
+          <p:cNvPr id="153" name="Shape 153"/>
+          <p:cNvSpPr txBox="1"/>
+          <p:nvPr/>
+        </p:nvSpPr>
+        <p:spPr>
+          <a:xfrm>
+            <a:off x="435600" y="1317000"/>
+            <a:ext cx="4733400" cy="1637700"/>
+          </a:xfrm>
+          <a:prstGeom prst="rect">
+            <a:avLst/>
+          </a:prstGeom>
+          <a:solidFill>
+            <a:schemeClr val="lt2"/>
+          </a:solidFill>
+          <a:ln w="9525" cap="flat" cmpd="sng">
+            <a:solidFill>
+              <a:srgbClr val="000000"/>
+            </a:solidFill>
+            <a:prstDash val="solid"/>
+            <a:round/>
+            <a:headEnd type="none" w="sm" len="sm"/>
+            <a:tailEnd type="none" w="sm" len="sm"/>
+          </a:ln>
+        </p:spPr>
+        <p:txBody>
+          <a:bodyPr spcFirstLastPara="1" wrap="square" lIns="91425" tIns="91425" rIns="91425" bIns="91425" anchor="t" anchorCtr="0">
+            <a:noAutofit/>
+          </a:bodyPr>
+          <a:lstStyle/>
+          <a:p>
+            <a:pPr marL="0" lvl="0" indent="0">
+              <a:spcBef>
+                <a:spcPts val="0"/>
+              </a:spcBef>
+              <a:spcAft>
+                <a:spcPts val="0"/>
+              </a:spcAft>
+              <a:buNone/>
+            </a:pPr>
+            <a:r>
+              <a:rPr lang="en-US" sz="1400" dirty="0"/>
+              <a:t>import </a:t>
+            </a:r>
+            <a:r>
+              <a:rPr lang="en-US" sz="1400" dirty="0" err="1"/>
+              <a:t>matplotlib.pyplot</a:t>
+            </a:r>
+            <a:r>
+              <a:rPr lang="en-US" sz="1400" dirty="0"/>
+              <a:t> as </a:t>
+            </a:r>
+            <a:r>
+              <a:rPr lang="en-US" sz="1400" dirty="0" err="1"/>
+              <a:t>plt</a:t>
+            </a:r>
+            <a:endParaRPr sz="1400" dirty="0"/>
+          </a:p>
+          <a:p>
+            <a:pPr marL="0" lvl="0" indent="0">
+              <a:spcBef>
+                <a:spcPts val="0"/>
+              </a:spcBef>
+              <a:spcAft>
+                <a:spcPts val="0"/>
+              </a:spcAft>
+              <a:buNone/>
+            </a:pPr>
+            <a:r>
+              <a:rPr lang="en-US" sz="1400" dirty="0"/>
+              <a:t>from </a:t>
+            </a:r>
+            <a:r>
+              <a:rPr lang="en-US" sz="1400" dirty="0" err="1"/>
+              <a:t>sklearn.cluster</a:t>
+            </a:r>
+            <a:r>
+              <a:rPr lang="en-US" sz="1400" dirty="0"/>
+              <a:t> import </a:t>
+            </a:r>
+            <a:r>
+              <a:rPr lang="en-US" sz="1400" dirty="0" err="1"/>
+              <a:t>KMeans</a:t>
+            </a:r>
+            <a:endParaRPr sz="1400" dirty="0"/>
+          </a:p>
+          <a:p>
+            <a:pPr marL="0" lvl="0" indent="0">
+              <a:spcBef>
+                <a:spcPts val="0"/>
+              </a:spcBef>
+              <a:spcAft>
+                <a:spcPts val="0"/>
+              </a:spcAft>
+              <a:buNone/>
+            </a:pPr>
+            <a:r>
+              <a:rPr lang="en-US" sz="1400" dirty="0"/>
+              <a:t>from </a:t>
+            </a:r>
+            <a:r>
+              <a:rPr lang="en-US" sz="1400" dirty="0" err="1"/>
+              <a:t>sklearn.datasets</a:t>
+            </a:r>
+            <a:r>
+              <a:rPr lang="en-US" sz="1400" dirty="0"/>
+              <a:t> import </a:t>
+            </a:r>
+            <a:r>
+              <a:rPr lang="en-US" sz="1400" dirty="0" err="1"/>
+              <a:t>make_moons</a:t>
+            </a:r>
+            <a:r>
+              <a:rPr lang="en-US" sz="1400" dirty="0"/>
+              <a:t/>
+            </a:r>
+            <a:br>
+              <a:rPr lang="en-US" sz="1400" dirty="0"/>
+            </a:br>
+            <a:endParaRPr sz="1400" dirty="0"/>
+          </a:p>
+          <a:p>
+            <a:pPr marL="0" lvl="0" indent="0">
+              <a:spcBef>
+                <a:spcPts val="0"/>
+              </a:spcBef>
+              <a:spcAft>
+                <a:spcPts val="0"/>
+              </a:spcAft>
+              <a:buNone/>
+            </a:pPr>
+            <a:r>
+              <a:rPr lang="en-US" sz="1400" dirty="0"/>
+              <a:t>X, y = </a:t>
+            </a:r>
+            <a:r>
+              <a:rPr lang="en-US" sz="1400" dirty="0" err="1"/>
+              <a:t>make_moons</a:t>
+            </a:r>
+            <a:r>
+              <a:rPr lang="en-US" sz="1400" dirty="0"/>
+              <a:t>(200, noise=.05, </a:t>
+            </a:r>
+            <a:r>
+              <a:rPr lang="en-US" sz="1400" dirty="0" err="1"/>
+              <a:t>random_state</a:t>
+            </a:r>
+            <a:r>
+              <a:rPr lang="en-US" sz="1400" dirty="0"/>
+              <a:t>=0)</a:t>
+            </a:r>
+            <a:br>
+              <a:rPr lang="en-US" sz="1400" dirty="0"/>
+            </a:br>
+            <a:r>
+              <a:rPr lang="en-US" sz="1400" dirty="0"/>
+              <a:t>labels = </a:t>
+            </a:r>
+            <a:r>
+              <a:rPr lang="en-US" sz="1400" dirty="0" err="1"/>
+              <a:t>KMeans</a:t>
+            </a:r>
+            <a:r>
+              <a:rPr lang="en-US" sz="1400" dirty="0"/>
+              <a:t>(2, </a:t>
+            </a:r>
+            <a:r>
+              <a:rPr lang="en-US" sz="1400" dirty="0" err="1"/>
+              <a:t>random_state</a:t>
+            </a:r>
+            <a:r>
+              <a:rPr lang="en-US" sz="1400" dirty="0"/>
+              <a:t>=0).</a:t>
+            </a:r>
+            <a:r>
+              <a:rPr lang="en-US" sz="1400" dirty="0" err="1"/>
+              <a:t>fit_predict</a:t>
+            </a:r>
+            <a:r>
+              <a:rPr lang="en-US" sz="1400" dirty="0"/>
+              <a:t>(X)</a:t>
+            </a:r>
+            <a:br>
+              <a:rPr lang="en-US" sz="1400" dirty="0"/>
+            </a:br>
+            <a:r>
+              <a:rPr lang="en-US" sz="1400" dirty="0" err="1"/>
+              <a:t>plt.scatter</a:t>
+            </a:r>
+            <a:r>
+              <a:rPr lang="en-US" sz="1400" dirty="0"/>
+              <a:t>(X[:, 0], X[:, 1], c=labels, s=50, </a:t>
+            </a:r>
+            <a:r>
+              <a:rPr lang="en-US" sz="1400" dirty="0" err="1"/>
+              <a:t>cmap</a:t>
+            </a:r>
+            <a:r>
+              <a:rPr lang="en-US" sz="1400" dirty="0"/>
+              <a:t>='</a:t>
+            </a:r>
+            <a:r>
+              <a:rPr lang="en-US" sz="1400" dirty="0" err="1"/>
+              <a:t>viridis</a:t>
+            </a:r>
+            <a:r>
+              <a:rPr lang="en-US" sz="1400" dirty="0"/>
+              <a:t>');</a:t>
+            </a:r>
+            <a:endParaRPr sz="1400" dirty="0"/>
+          </a:p>
+        </p:txBody>
+      </p:sp>
+      <p:pic>
+        <p:nvPicPr>
+          <p:cNvPr id="154" name="Shape 154" descr="Unknown-7"/>
+          <p:cNvPicPr preferRelativeResize="0"/>
+          <p:nvPr/>
+        </p:nvPicPr>
+        <p:blipFill>
+          <a:blip r:embed="rId3">
+            <a:alphaModFix/>
+          </a:blip>
+          <a:stretch>
+            <a:fillRect/>
+          </a:stretch>
+        </p:blipFill>
+        <p:spPr>
+          <a:xfrm>
+            <a:off x="3598475" y="3328875"/>
+            <a:ext cx="4705350" cy="3248025"/>
+          </a:xfrm>
+          <a:prstGeom prst="rect">
+            <a:avLst/>
+          </a:prstGeom>
+          <a:noFill/>
+          <a:ln>
+            <a:noFill/>
+          </a:ln>
+        </p:spPr>
+      </p:pic>
+    </p:spTree>
+    <p:extLst>
+      <p:ext uri="{BB962C8B-B14F-4D97-AF65-F5344CB8AC3E}">
+        <p14:creationId xmlns:p14="http://schemas.microsoft.com/office/powerpoint/2010/main" val="1026634868"/>
+      </p:ext>
+    </p:extLst>
+  </p:cSld>
+  <p:clrMapOvr>
+    <a:masterClrMapping/>
+  </p:clrMapOvr>
+</p:sld>
+</file>
+
+<file path=ppt/slides/slide15.xml><?xml version="1.0" encoding="utf-8"?>
+<p:sld xmlns:a="http://schemas.openxmlformats.org/drawingml/2006/main" xmlns:r="http://schemas.openxmlformats.org/officeDocument/2006/relationships" xmlns:p="http://schemas.openxmlformats.org/presentationml/2006/main">
+  <p:cSld>
+    <p:spTree>
+      <p:nvGrpSpPr>
         <p:cNvPr id="1" name="Shape 117"/>
         <p:cNvGrpSpPr/>
         <p:nvPr/>
@@ -12549,7 +13020,7 @@
 </p:sld>
 </file>
 
-<file path=ppt/slides/slide15.xml><?xml version="1.0" encoding="utf-8"?>
+<file path=ppt/slides/slide16.xml><?xml version="1.0" encoding="utf-8"?>
 <p:sld xmlns:a="http://schemas.openxmlformats.org/drawingml/2006/main" xmlns:r="http://schemas.openxmlformats.org/officeDocument/2006/relationships" xmlns:p="http://schemas.openxmlformats.org/presentationml/2006/main">
   <p:cSld>
     <p:spTree>
@@ -12849,7 +13320,7 @@
 </p:sld>
 </file>
 
-<file path=ppt/slides/slide16.xml><?xml version="1.0" encoding="utf-8"?>
+<file path=ppt/slides/slide17.xml><?xml version="1.0" encoding="utf-8"?>
 <p:sld xmlns:a="http://schemas.openxmlformats.org/drawingml/2006/main" xmlns:r="http://schemas.openxmlformats.org/officeDocument/2006/relationships" xmlns:p="http://schemas.openxmlformats.org/presentationml/2006/main">
   <p:cSld>
     <p:spTree>
@@ -13206,7 +13677,7 @@
 </p:sld>
 </file>
 
-<file path=ppt/slides/slide17.xml><?xml version="1.0" encoding="utf-8"?>
+<file path=ppt/slides/slide18.xml><?xml version="1.0" encoding="utf-8"?>
 <p:sld xmlns:a="http://schemas.openxmlformats.org/drawingml/2006/main" xmlns:r="http://schemas.openxmlformats.org/officeDocument/2006/relationships" xmlns:p="http://schemas.openxmlformats.org/presentationml/2006/main">
   <p:cSld>
     <p:spTree>
@@ -13519,7 +13990,7 @@
 </p:sld>
 </file>
 
-<file path=ppt/slides/slide18.xml><?xml version="1.0" encoding="utf-8"?>
+<file path=ppt/slides/slide19.xml><?xml version="1.0" encoding="utf-8"?>
 <p:sld xmlns:a="http://schemas.openxmlformats.org/drawingml/2006/main" xmlns:r="http://schemas.openxmlformats.org/officeDocument/2006/relationships" xmlns:p="http://schemas.openxmlformats.org/presentationml/2006/main">
   <p:cSld>
     <p:spTree>
@@ -13681,7 +14152,145 @@
 </p:sld>
 </file>
 
-<file path=ppt/slides/slide19.xml><?xml version="1.0" encoding="utf-8"?>
+<file path=ppt/slides/slide2.xml><?xml version="1.0" encoding="utf-8"?>
+<p:sld xmlns:a="http://schemas.openxmlformats.org/drawingml/2006/main" xmlns:r="http://schemas.openxmlformats.org/officeDocument/2006/relationships" xmlns:p="http://schemas.openxmlformats.org/presentationml/2006/main">
+  <p:cSld>
+    <p:spTree>
+      <p:nvGrpSpPr>
+        <p:cNvPr id="1" name=""/>
+        <p:cNvGrpSpPr/>
+        <p:nvPr/>
+      </p:nvGrpSpPr>
+      <p:grpSpPr>
+        <a:xfrm>
+          <a:off x="0" y="0"/>
+          <a:ext cx="0" cy="0"/>
+          <a:chOff x="0" y="0"/>
+          <a:chExt cx="0" cy="0"/>
+        </a:xfrm>
+      </p:grpSpPr>
+      <p:sp>
+        <p:nvSpPr>
+          <p:cNvPr id="4" name="Title 3"/>
+          <p:cNvSpPr>
+            <a:spLocks noGrp="1"/>
+          </p:cNvSpPr>
+          <p:nvPr>
+            <p:ph type="title"/>
+          </p:nvPr>
+        </p:nvSpPr>
+        <p:spPr/>
+        <p:txBody>
+          <a:bodyPr/>
+          <a:lstStyle/>
+          <a:p>
+            <a:r>
+              <a:rPr lang="en-US" dirty="0" smtClean="0"/>
+              <a:t>Unsupervised Learning</a:t>
+            </a:r>
+            <a:endParaRPr lang="en-US" dirty="0"/>
+          </a:p>
+        </p:txBody>
+      </p:sp>
+      <p:sp>
+        <p:nvSpPr>
+          <p:cNvPr id="5" name="Content Placeholder 4"/>
+          <p:cNvSpPr>
+            <a:spLocks noGrp="1"/>
+          </p:cNvSpPr>
+          <p:nvPr>
+            <p:ph idx="1"/>
+          </p:nvPr>
+        </p:nvSpPr>
+        <p:spPr>
+          <a:xfrm>
+            <a:off x="457200" y="1719263"/>
+            <a:ext cx="8464150" cy="4411662"/>
+          </a:xfrm>
+        </p:spPr>
+        <p:txBody>
+          <a:bodyPr>
+            <a:normAutofit/>
+          </a:bodyPr>
+          <a:lstStyle/>
+          <a:p>
+            <a:r>
+              <a:rPr lang="en-US" dirty="0"/>
+              <a:t>Here we will discuss a class of unsupervised machine learning models: </a:t>
+            </a:r>
+            <a:endParaRPr lang="en-US" dirty="0" smtClean="0"/>
+          </a:p>
+          <a:p>
+            <a:pPr lvl="1"/>
+            <a:r>
+              <a:rPr lang="en-US" dirty="0" smtClean="0"/>
+              <a:t>clustering </a:t>
+            </a:r>
+            <a:r>
+              <a:rPr lang="en-US" dirty="0"/>
+              <a:t>algorithms. </a:t>
+            </a:r>
+          </a:p>
+          <a:p>
+            <a:r>
+              <a:rPr lang="en-US" dirty="0"/>
+              <a:t>Clustering algorithms seek to </a:t>
+            </a:r>
+            <a:r>
+              <a:rPr lang="en-US" dirty="0" smtClean="0"/>
+              <a:t>learn an </a:t>
+            </a:r>
+            <a:r>
+              <a:rPr lang="en-US" dirty="0"/>
+              <a:t>optimal division or discrete labeling of groups of </a:t>
+            </a:r>
+            <a:r>
+              <a:rPr lang="en-US" dirty="0" smtClean="0"/>
+              <a:t>points solely from </a:t>
+            </a:r>
+            <a:r>
+              <a:rPr lang="en-US" dirty="0"/>
+              <a:t>the properties of the data,</a:t>
+            </a:r>
+            <a:r>
+              <a:rPr lang="en-US" dirty="0" smtClean="0"/>
+              <a:t>.</a:t>
+            </a:r>
+            <a:endParaRPr lang="en-US" dirty="0"/>
+          </a:p>
+          <a:p>
+            <a:r>
+              <a:rPr lang="en-US" dirty="0"/>
+              <a:t>Perhaps the most popular clustering algorithm is the </a:t>
+            </a:r>
+            <a:r>
+              <a:rPr lang="en-US" i="1" dirty="0"/>
+              <a:t>k-means algorithm</a:t>
+            </a:r>
+            <a:r>
+              <a:rPr lang="en-US" dirty="0"/>
+              <a:t>.</a:t>
+            </a:r>
+          </a:p>
+          <a:p>
+            <a:endParaRPr lang="en-US" dirty="0"/>
+          </a:p>
+        </p:txBody>
+      </p:sp>
+    </p:spTree>
+    <p:extLst>
+      <p:ext uri="{BB962C8B-B14F-4D97-AF65-F5344CB8AC3E}">
+        <p14:creationId xmlns:p14="http://schemas.microsoft.com/office/powerpoint/2010/main" val="937666888"/>
+      </p:ext>
+    </p:extLst>
+  </p:cSld>
+  <p:clrMapOvr>
+    <a:masterClrMapping/>
+  </p:clrMapOvr>
+</p:sld>
+</file>
+
+<file path=ppt/slides/slide20.xml><?xml version="1.0" encoding="utf-8"?>
 <p:sld xmlns:a="http://schemas.openxmlformats.org/drawingml/2006/main" xmlns:r="http://schemas.openxmlformats.org/officeDocument/2006/relationships" xmlns:p="http://schemas.openxmlformats.org/presentationml/2006/main">
   <p:cSld>
     <p:spTree>
@@ -14047,145 +14656,7 @@
 </p:sld>
 </file>
 
-<file path=ppt/slides/slide2.xml><?xml version="1.0" encoding="utf-8"?>
-<p:sld xmlns:a="http://schemas.openxmlformats.org/drawingml/2006/main" xmlns:r="http://schemas.openxmlformats.org/officeDocument/2006/relationships" xmlns:p="http://schemas.openxmlformats.org/presentationml/2006/main">
-  <p:cSld>
-    <p:spTree>
-      <p:nvGrpSpPr>
-        <p:cNvPr id="1" name=""/>
-        <p:cNvGrpSpPr/>
-        <p:nvPr/>
-      </p:nvGrpSpPr>
-      <p:grpSpPr>
-        <a:xfrm>
-          <a:off x="0" y="0"/>
-          <a:ext cx="0" cy="0"/>
-          <a:chOff x="0" y="0"/>
-          <a:chExt cx="0" cy="0"/>
-        </a:xfrm>
-      </p:grpSpPr>
-      <p:sp>
-        <p:nvSpPr>
-          <p:cNvPr id="4" name="Title 3"/>
-          <p:cNvSpPr>
-            <a:spLocks noGrp="1"/>
-          </p:cNvSpPr>
-          <p:nvPr>
-            <p:ph type="title"/>
-          </p:nvPr>
-        </p:nvSpPr>
-        <p:spPr/>
-        <p:txBody>
-          <a:bodyPr/>
-          <a:lstStyle/>
-          <a:p>
-            <a:r>
-              <a:rPr lang="en-US" dirty="0" smtClean="0"/>
-              <a:t>Unsupervised Learning</a:t>
-            </a:r>
-            <a:endParaRPr lang="en-US" dirty="0"/>
-          </a:p>
-        </p:txBody>
-      </p:sp>
-      <p:sp>
-        <p:nvSpPr>
-          <p:cNvPr id="5" name="Content Placeholder 4"/>
-          <p:cNvSpPr>
-            <a:spLocks noGrp="1"/>
-          </p:cNvSpPr>
-          <p:nvPr>
-            <p:ph idx="1"/>
-          </p:nvPr>
-        </p:nvSpPr>
-        <p:spPr>
-          <a:xfrm>
-            <a:off x="457200" y="1719263"/>
-            <a:ext cx="8464150" cy="4411662"/>
-          </a:xfrm>
-        </p:spPr>
-        <p:txBody>
-          <a:bodyPr>
-            <a:normAutofit/>
-          </a:bodyPr>
-          <a:lstStyle/>
-          <a:p>
-            <a:r>
-              <a:rPr lang="en-US" dirty="0"/>
-              <a:t>Here we will discuss a class of unsupervised machine learning models: </a:t>
-            </a:r>
-            <a:endParaRPr lang="en-US" dirty="0" smtClean="0"/>
-          </a:p>
-          <a:p>
-            <a:pPr lvl="1"/>
-            <a:r>
-              <a:rPr lang="en-US" dirty="0" smtClean="0"/>
-              <a:t>clustering </a:t>
-            </a:r>
-            <a:r>
-              <a:rPr lang="en-US" dirty="0"/>
-              <a:t>algorithms. </a:t>
-            </a:r>
-          </a:p>
-          <a:p>
-            <a:r>
-              <a:rPr lang="en-US" dirty="0"/>
-              <a:t>Clustering algorithms seek to </a:t>
-            </a:r>
-            <a:r>
-              <a:rPr lang="en-US" dirty="0" smtClean="0"/>
-              <a:t>learn an </a:t>
-            </a:r>
-            <a:r>
-              <a:rPr lang="en-US" dirty="0"/>
-              <a:t>optimal division or discrete labeling of groups of </a:t>
-            </a:r>
-            <a:r>
-              <a:rPr lang="en-US" dirty="0" smtClean="0"/>
-              <a:t>points solely from </a:t>
-            </a:r>
-            <a:r>
-              <a:rPr lang="en-US" dirty="0"/>
-              <a:t>the properties of the data,</a:t>
-            </a:r>
-            <a:r>
-              <a:rPr lang="en-US" dirty="0" smtClean="0"/>
-              <a:t>.</a:t>
-            </a:r>
-            <a:endParaRPr lang="en-US" dirty="0"/>
-          </a:p>
-          <a:p>
-            <a:r>
-              <a:rPr lang="en-US" dirty="0"/>
-              <a:t>Perhaps the most popular clustering algorithm is the </a:t>
-            </a:r>
-            <a:r>
-              <a:rPr lang="en-US" i="1" dirty="0"/>
-              <a:t>k-means algorithm</a:t>
-            </a:r>
-            <a:r>
-              <a:rPr lang="en-US" dirty="0"/>
-              <a:t>.</a:t>
-            </a:r>
-          </a:p>
-          <a:p>
-            <a:endParaRPr lang="en-US" dirty="0"/>
-          </a:p>
-        </p:txBody>
-      </p:sp>
-    </p:spTree>
-    <p:extLst>
-      <p:ext uri="{BB962C8B-B14F-4D97-AF65-F5344CB8AC3E}">
-        <p14:creationId xmlns:p14="http://schemas.microsoft.com/office/powerpoint/2010/main" val="937666888"/>
-      </p:ext>
-    </p:extLst>
-  </p:cSld>
-  <p:clrMapOvr>
-    <a:masterClrMapping/>
-  </p:clrMapOvr>
-</p:sld>
-</file>
-
-<file path=ppt/slides/slide20.xml><?xml version="1.0" encoding="utf-8"?>
+<file path=ppt/slides/slide21.xml><?xml version="1.0" encoding="utf-8"?>
 <p:sld xmlns:a="http://schemas.openxmlformats.org/drawingml/2006/main" xmlns:r="http://schemas.openxmlformats.org/officeDocument/2006/relationships" xmlns:p="http://schemas.openxmlformats.org/presentationml/2006/main">
   <p:cSld>
     <p:spTree>
@@ -14505,7 +14976,7 @@
 </p:sld>
 </file>
 
-<file path=ppt/slides/slide21.xml><?xml version="1.0" encoding="utf-8"?>
+<file path=ppt/slides/slide22.xml><?xml version="1.0" encoding="utf-8"?>
 <p:sld xmlns:a="http://schemas.openxmlformats.org/drawingml/2006/main" xmlns:r="http://schemas.openxmlformats.org/officeDocument/2006/relationships" xmlns:p="http://schemas.openxmlformats.org/presentationml/2006/main">
   <p:cSld>
     <p:spTree>
@@ -14588,7 +15059,7 @@
 </p:sld>
 </file>
 
-<file path=ppt/slides/slide22.xml><?xml version="1.0" encoding="utf-8"?>
+<file path=ppt/slides/slide23.xml><?xml version="1.0" encoding="utf-8"?>
 <p:sld xmlns:a="http://schemas.openxmlformats.org/drawingml/2006/main" xmlns:r="http://schemas.openxmlformats.org/officeDocument/2006/relationships" xmlns:p="http://schemas.openxmlformats.org/presentationml/2006/main">
   <p:cSld>
     <p:spTree>
@@ -14819,7 +15290,7 @@
 </p:sld>
 </file>
 
-<file path=ppt/slides/slide23.xml><?xml version="1.0" encoding="utf-8"?>
+<file path=ppt/slides/slide24.xml><?xml version="1.0" encoding="utf-8"?>
 <p:sld xmlns:a="http://schemas.openxmlformats.org/drawingml/2006/main" xmlns:r="http://schemas.openxmlformats.org/officeDocument/2006/relationships" xmlns:p="http://schemas.openxmlformats.org/presentationml/2006/main">
   <p:cSld>
     <p:spTree>
@@ -15065,7 +15536,7 @@
 </p:sld>
 </file>
 
-<file path=ppt/slides/slide24.xml><?xml version="1.0" encoding="utf-8"?>
+<file path=ppt/slides/slide25.xml><?xml version="1.0" encoding="utf-8"?>
 <p:sld xmlns:a="http://schemas.openxmlformats.org/drawingml/2006/main" xmlns:r="http://schemas.openxmlformats.org/officeDocument/2006/relationships" xmlns:p="http://schemas.openxmlformats.org/presentationml/2006/main">
   <p:cSld>
     <p:spTree>
@@ -15320,104 +15791,6 @@
 </p:sld>
 </file>
 
-<file path=ppt/slides/slide25.xml><?xml version="1.0" encoding="utf-8"?>
-<p:sld xmlns:a="http://schemas.openxmlformats.org/drawingml/2006/main" xmlns:r="http://schemas.openxmlformats.org/officeDocument/2006/relationships" xmlns:p="http://schemas.openxmlformats.org/presentationml/2006/main">
-  <p:cSld>
-    <p:spTree>
-      <p:nvGrpSpPr>
-        <p:cNvPr id="1" name=""/>
-        <p:cNvGrpSpPr/>
-        <p:nvPr/>
-      </p:nvGrpSpPr>
-      <p:grpSpPr>
-        <a:xfrm>
-          <a:off x="0" y="0"/>
-          <a:ext cx="0" cy="0"/>
-          <a:chOff x="0" y="0"/>
-          <a:chExt cx="0" cy="0"/>
-        </a:xfrm>
-      </p:grpSpPr>
-      <p:sp>
-        <p:nvSpPr>
-          <p:cNvPr id="2" name="Title 1"/>
-          <p:cNvSpPr>
-            <a:spLocks noGrp="1"/>
-          </p:cNvSpPr>
-          <p:nvPr>
-            <p:ph type="title"/>
-          </p:nvPr>
-        </p:nvSpPr>
-        <p:spPr/>
-        <p:txBody>
-          <a:bodyPr/>
-          <a:lstStyle/>
-          <a:p>
-            <a:r>
-              <a:rPr lang="en-US" dirty="0" smtClean="0"/>
-              <a:t>Single-Link(age) Clustering</a:t>
-            </a:r>
-            <a:endParaRPr lang="en-US" dirty="0"/>
-          </a:p>
-        </p:txBody>
-      </p:sp>
-      <p:sp>
-        <p:nvSpPr>
-          <p:cNvPr id="4" name="TextBox 3"/>
-          <p:cNvSpPr txBox="1"/>
-          <p:nvPr/>
-        </p:nvSpPr>
-        <p:spPr>
-          <a:xfrm>
-            <a:off x="1139687" y="3048000"/>
-            <a:ext cx="6026137" cy="369332"/>
-          </a:xfrm>
-          <a:prstGeom prst="rect">
-            <a:avLst/>
-          </a:prstGeom>
-          <a:noFill/>
-        </p:spPr>
-        <p:txBody>
-          <a:bodyPr wrap="none" rtlCol="0">
-            <a:spAutoFit/>
-          </a:bodyPr>
-          <a:lstStyle/>
-          <a:p>
-            <a:r>
-              <a:rPr lang="en-US" dirty="0"/>
-              <a:t>Demo https://</a:t>
-            </a:r>
-            <a:r>
-              <a:rPr lang="en-US" dirty="0" err="1"/>
-              <a:t>www.youtube.com</a:t>
-            </a:r>
-            <a:r>
-              <a:rPr lang="en-US" dirty="0"/>
-              <a:t>/</a:t>
-            </a:r>
-            <a:r>
-              <a:rPr lang="en-US" dirty="0" err="1"/>
-              <a:t>watch?v</a:t>
-            </a:r>
-            <a:r>
-              <a:rPr lang="en-US" dirty="0"/>
-              <a:t>=XJ3194AmH40</a:t>
-            </a:r>
-          </a:p>
-        </p:txBody>
-      </p:sp>
-    </p:spTree>
-    <p:extLst>
-      <p:ext uri="{BB962C8B-B14F-4D97-AF65-F5344CB8AC3E}">
-        <p14:creationId xmlns:p14="http://schemas.microsoft.com/office/powerpoint/2010/main" val="595619906"/>
-      </p:ext>
-    </p:extLst>
-  </p:cSld>
-  <p:clrMapOvr>
-    <a:masterClrMapping/>
-  </p:clrMapOvr>
-</p:sld>
-</file>
-
 <file path=ppt/slides/slide26.xml><?xml version="1.0" encoding="utf-8"?>
 <p:sld xmlns:a="http://schemas.openxmlformats.org/drawingml/2006/main" xmlns:r="http://schemas.openxmlformats.org/officeDocument/2006/relationships" xmlns:p="http://schemas.openxmlformats.org/presentationml/2006/main">
   <p:cSld>
@@ -15452,6 +15825,104 @@
           <a:p>
             <a:r>
               <a:rPr lang="en-US" dirty="0" smtClean="0"/>
+              <a:t>Single-Link(age) Clustering</a:t>
+            </a:r>
+            <a:endParaRPr lang="en-US" dirty="0"/>
+          </a:p>
+        </p:txBody>
+      </p:sp>
+      <p:sp>
+        <p:nvSpPr>
+          <p:cNvPr id="4" name="TextBox 3"/>
+          <p:cNvSpPr txBox="1"/>
+          <p:nvPr/>
+        </p:nvSpPr>
+        <p:spPr>
+          <a:xfrm>
+            <a:off x="1139687" y="3048000"/>
+            <a:ext cx="6026137" cy="369332"/>
+          </a:xfrm>
+          <a:prstGeom prst="rect">
+            <a:avLst/>
+          </a:prstGeom>
+          <a:noFill/>
+        </p:spPr>
+        <p:txBody>
+          <a:bodyPr wrap="none" rtlCol="0">
+            <a:spAutoFit/>
+          </a:bodyPr>
+          <a:lstStyle/>
+          <a:p>
+            <a:r>
+              <a:rPr lang="en-US" dirty="0"/>
+              <a:t>Demo https://</a:t>
+            </a:r>
+            <a:r>
+              <a:rPr lang="en-US" dirty="0" err="1"/>
+              <a:t>www.youtube.com</a:t>
+            </a:r>
+            <a:r>
+              <a:rPr lang="en-US" dirty="0"/>
+              <a:t>/</a:t>
+            </a:r>
+            <a:r>
+              <a:rPr lang="en-US" dirty="0" err="1"/>
+              <a:t>watch?v</a:t>
+            </a:r>
+            <a:r>
+              <a:rPr lang="en-US" dirty="0"/>
+              <a:t>=XJ3194AmH40</a:t>
+            </a:r>
+          </a:p>
+        </p:txBody>
+      </p:sp>
+    </p:spTree>
+    <p:extLst>
+      <p:ext uri="{BB962C8B-B14F-4D97-AF65-F5344CB8AC3E}">
+        <p14:creationId xmlns:p14="http://schemas.microsoft.com/office/powerpoint/2010/main" val="595619906"/>
+      </p:ext>
+    </p:extLst>
+  </p:cSld>
+  <p:clrMapOvr>
+    <a:masterClrMapping/>
+  </p:clrMapOvr>
+</p:sld>
+</file>
+
+<file path=ppt/slides/slide27.xml><?xml version="1.0" encoding="utf-8"?>
+<p:sld xmlns:a="http://schemas.openxmlformats.org/drawingml/2006/main" xmlns:r="http://schemas.openxmlformats.org/officeDocument/2006/relationships" xmlns:p="http://schemas.openxmlformats.org/presentationml/2006/main">
+  <p:cSld>
+    <p:spTree>
+      <p:nvGrpSpPr>
+        <p:cNvPr id="1" name=""/>
+        <p:cNvGrpSpPr/>
+        <p:nvPr/>
+      </p:nvGrpSpPr>
+      <p:grpSpPr>
+        <a:xfrm>
+          <a:off x="0" y="0"/>
+          <a:ext cx="0" cy="0"/>
+          <a:chOff x="0" y="0"/>
+          <a:chExt cx="0" cy="0"/>
+        </a:xfrm>
+      </p:grpSpPr>
+      <p:sp>
+        <p:nvSpPr>
+          <p:cNvPr id="2" name="Title 1"/>
+          <p:cNvSpPr>
+            <a:spLocks noGrp="1"/>
+          </p:cNvSpPr>
+          <p:nvPr>
+            <p:ph type="title"/>
+          </p:nvPr>
+        </p:nvSpPr>
+        <p:spPr/>
+        <p:txBody>
+          <a:bodyPr/>
+          <a:lstStyle/>
+          <a:p>
+            <a:r>
+              <a:rPr lang="en-US" dirty="0" smtClean="0"/>
               <a:t>Single-Link Clustering</a:t>
             </a:r>
             <a:endParaRPr lang="en-US" dirty="0"/>
@@ -15533,7 +16004,7 @@
 </p:sld>
 </file>
 
-<file path=ppt/slides/slide27.xml><?xml version="1.0" encoding="utf-8"?>
+<file path=ppt/slides/slide28.xml><?xml version="1.0" encoding="utf-8"?>
 <p:sld xmlns:a="http://schemas.openxmlformats.org/drawingml/2006/main" xmlns:r="http://schemas.openxmlformats.org/officeDocument/2006/relationships" xmlns:p="http://schemas.openxmlformats.org/presentationml/2006/main">
   <p:cSld>
     <p:spTree>

--- a/lecture-notes/37-unsupervised-learning.pptx
+++ b/lecture-notes/37-unsupervised-learning.pptx
@@ -12782,7 +12782,7 @@
               <a:buChar char="•"/>
             </a:pPr>
             <a:r>
-              <a:rPr lang="en-US" sz="2100" b="0" i="0" u="none">
+              <a:rPr lang="en-US" sz="2100" b="0" i="0" u="none" dirty="0">
                 <a:solidFill>
                   <a:schemeClr val="dk2"/>
                 </a:solidFill>
@@ -12793,7 +12793,7 @@
               </a:rPr>
               <a:t>Pros:</a:t>
             </a:r>
-            <a:endParaRPr/>
+            <a:endParaRPr dirty="0"/>
           </a:p>
           <a:p>
             <a:pPr marL="742950" marR="0" lvl="1" indent="-285750" algn="l" rtl="0">
@@ -12814,7 +12814,7 @@
               <a:buChar char="●"/>
             </a:pPr>
             <a:r>
-              <a:rPr lang="en-US" sz="2400" b="0" i="0" u="none" strike="noStrike" cap="none">
+              <a:rPr lang="en-US" sz="2400" b="0" i="0" u="none" strike="noStrike" cap="none" dirty="0">
                 <a:solidFill>
                   <a:schemeClr val="dk2"/>
                 </a:solidFill>
@@ -12825,7 +12825,7 @@
               </a:rPr>
               <a:t>Fast convergence</a:t>
             </a:r>
-            <a:endParaRPr/>
+            <a:endParaRPr dirty="0"/>
           </a:p>
           <a:p>
             <a:pPr marL="742950" marR="0" lvl="1" indent="-285750" algn="l" rtl="0">
@@ -12846,7 +12846,7 @@
               <a:buChar char="●"/>
             </a:pPr>
             <a:r>
-              <a:rPr lang="en-US" sz="2400" b="0" i="0" u="none" strike="noStrike" cap="none">
+              <a:rPr lang="en-US" sz="2400" b="0" i="0" u="none" strike="noStrike" cap="none" dirty="0">
                 <a:solidFill>
                   <a:schemeClr val="dk2"/>
                 </a:solidFill>
@@ -12857,7 +12857,7 @@
               </a:rPr>
               <a:t>Conceptually simple</a:t>
             </a:r>
-            <a:endParaRPr/>
+            <a:endParaRPr dirty="0"/>
           </a:p>
           <a:p>
             <a:pPr marL="342900" marR="0" lvl="0" indent="-342900" algn="l" rtl="0">
@@ -12878,7 +12878,7 @@
               <a:buChar char="•"/>
             </a:pPr>
             <a:r>
-              <a:rPr lang="en-US" sz="2100" b="0" i="0" u="none">
+              <a:rPr lang="en-US" sz="2100" b="0" i="0" u="none" dirty="0">
                 <a:solidFill>
                   <a:schemeClr val="dk2"/>
                 </a:solidFill>
@@ -12889,7 +12889,7 @@
               </a:rPr>
               <a:t>Cons:</a:t>
             </a:r>
-            <a:endParaRPr/>
+            <a:endParaRPr dirty="0"/>
           </a:p>
           <a:p>
             <a:pPr marL="742950" marR="0" lvl="1" indent="-285750" algn="l" rtl="0">
@@ -12910,7 +12910,7 @@
               <a:buChar char="●"/>
             </a:pPr>
             <a:r>
-              <a:rPr lang="en-US" sz="2400" b="0" i="0" u="none" strike="noStrike" cap="none">
+              <a:rPr lang="en-US" sz="2400" b="0" i="0" u="none" strike="noStrike" cap="none" dirty="0">
                 <a:solidFill>
                   <a:schemeClr val="dk2"/>
                 </a:solidFill>
@@ -12922,7 +12922,7 @@
               <a:t>Very sensitive to the choice of numbers of clusters </a:t>
             </a:r>
             <a:r>
-              <a:rPr lang="en-US" sz="2400" b="0" i="1" u="none" strike="noStrike" cap="none">
+              <a:rPr lang="en-US" sz="2400" b="0" i="1" u="none" strike="noStrike" cap="none" dirty="0">
                 <a:solidFill>
                   <a:schemeClr val="dk2"/>
                 </a:solidFill>
@@ -12933,7 +12933,7 @@
               </a:rPr>
               <a:t>k</a:t>
             </a:r>
-            <a:endParaRPr sz="2400" b="0" i="1" u="none" strike="noStrike" cap="none">
+            <a:endParaRPr sz="2400" b="0" i="1" u="none" strike="noStrike" cap="none" dirty="0">
               <a:solidFill>
                 <a:schemeClr val="dk2"/>
               </a:solidFill>
@@ -12962,11 +12962,46 @@
               <a:buChar char="●"/>
             </a:pPr>
             <a:r>
-              <a:rPr lang="en-US" sz="2400"/>
-              <a:t>Only considers convex cluster boundaries</a:t>
-            </a:r>
-            <a:r>
-              <a:rPr lang="en-US" sz="2400" b="0" i="1" u="none" strike="noStrike" cap="none">
+              <a:rPr lang="en-US" sz="2400" dirty="0"/>
+              <a:t>Only considers convex cluster </a:t>
+            </a:r>
+            <a:r>
+              <a:rPr lang="en-US" sz="2400" dirty="0" smtClean="0"/>
+              <a:t>boundaries</a:t>
+            </a:r>
+          </a:p>
+          <a:p>
+            <a:pPr marL="742950" marR="0" lvl="1" indent="-285750" algn="l" rtl="0">
+              <a:lnSpc>
+                <a:spcPct val="100000"/>
+              </a:lnSpc>
+              <a:spcBef>
+                <a:spcPts val="480"/>
+              </a:spcBef>
+              <a:spcAft>
+                <a:spcPts val="0"/>
+              </a:spcAft>
+              <a:buClr>
+                <a:schemeClr val="accent1"/>
+              </a:buClr>
+              <a:buSzPts val="1800"/>
+              <a:buFont typeface="Noto Sans Symbols"/>
+              <a:buChar char="●"/>
+            </a:pPr>
+            <a:r>
+              <a:rPr lang="en-US" sz="2400" dirty="0" smtClean="0">
+                <a:solidFill>
+                  <a:schemeClr val="dk2"/>
+                </a:solidFill>
+                <a:latin typeface="Arial"/>
+                <a:ea typeface="Arial"/>
+                <a:cs typeface="Arial"/>
+                <a:sym typeface="Arial"/>
+              </a:rPr>
+              <a:t>No easy visualization for high-dimensional spaces</a:t>
+            </a:r>
+            <a:r>
+              <a:rPr lang="en-US" sz="2400" b="0" i="1" u="none" strike="noStrike" cap="none" dirty="0">
                 <a:solidFill>
                   <a:schemeClr val="dk2"/>
                 </a:solidFill>
@@ -12978,7 +13013,7 @@
               <a:t/>
             </a:r>
             <a:br>
-              <a:rPr lang="en-US" sz="2400" b="0" i="1" u="none" strike="noStrike" cap="none">
+              <a:rPr lang="en-US" sz="2400" b="0" i="1" u="none" strike="noStrike" cap="none" dirty="0">
                 <a:solidFill>
                   <a:schemeClr val="dk2"/>
                 </a:solidFill>
@@ -12988,7 +13023,7 @@
                 <a:sym typeface="Arial"/>
               </a:rPr>
             </a:br>
-            <a:endParaRPr/>
+            <a:endParaRPr dirty="0"/>
           </a:p>
           <a:p>
             <a:pPr marL="0" marR="0" lvl="0" indent="0" algn="l" rtl="0">
@@ -13003,7 +13038,7 @@
               </a:spcAft>
               <a:buNone/>
             </a:pPr>
-            <a:endParaRPr/>
+            <a:endParaRPr dirty="0"/>
           </a:p>
         </p:txBody>
       </p:sp>
@@ -15946,7 +15981,9 @@
           </a:xfrm>
         </p:spPr>
         <p:txBody>
-          <a:bodyPr/>
+          <a:bodyPr>
+            <a:normAutofit fontScale="92500" lnSpcReduction="10000"/>
+          </a:bodyPr>
           <a:lstStyle/>
           <a:p>
             <a:r>
@@ -15965,8 +16002,20 @@
             <a:pPr lvl="1"/>
             <a:r>
               <a:rPr lang="en-US" dirty="0" smtClean="0"/>
-              <a:t>can find clusters of any shape</a:t>
-            </a:r>
+              <a:t>can find clusters of any </a:t>
+            </a:r>
+            <a:r>
+              <a:rPr lang="en-US" dirty="0" smtClean="0"/>
+              <a:t>shape</a:t>
+            </a:r>
+          </a:p>
+          <a:p>
+            <a:pPr lvl="1"/>
+            <a:r>
+              <a:rPr lang="en-US" dirty="0" smtClean="0"/>
+              <a:t>Nice visualization</a:t>
+            </a:r>
+            <a:endParaRPr lang="en-US" dirty="0" smtClean="0"/>
           </a:p>
           <a:p>
             <a:r>
@@ -15985,7 +16034,22 @@
             <a:pPr lvl="1"/>
             <a:r>
               <a:rPr lang="en-US" dirty="0" smtClean="0"/>
-              <a:t>no notion of balance</a:t>
+              <a:t>no notion of </a:t>
+            </a:r>
+            <a:r>
+              <a:rPr lang="en-US" dirty="0" smtClean="0"/>
+              <a:t>balance</a:t>
+            </a:r>
+          </a:p>
+          <a:p>
+            <a:pPr lvl="1"/>
+            <a:r>
+              <a:rPr lang="en-US" dirty="0" smtClean="0"/>
+              <a:t>Visualization easily </a:t>
+            </a:r>
+            <a:r>
+              <a:rPr lang="en-US" smtClean="0"/>
+              <a:t>gets overwhelmed by too many points</a:t>
             </a:r>
             <a:endParaRPr lang="en-US" dirty="0"/>
           </a:p>
